--- a/Faure_Lionel_3_kanban_012024.pptx
+++ b/Faure_Lionel_3_kanban_012024.pptx
@@ -896,7 +896,7 @@
   <p:cSld>
     <p:spTree>
       <p:nvGrpSpPr>
-        <p:cNvPr id="73" name="Shape 73"/>
+        <p:cNvPr id="72" name="Shape 72"/>
         <p:cNvGrpSpPr/>
         <p:nvPr/>
       </p:nvGrpSpPr>
@@ -910,7 +910,7 @@
       </p:grpSpPr>
       <p:sp>
         <p:nvSpPr>
-          <p:cNvPr id="74" name="Google Shape;74;g2b076090bd6_0_25:notes"/>
+          <p:cNvPr id="73" name="Google Shape;73;g2b076090bd6_0_25:notes"/>
           <p:cNvSpPr/>
           <p:nvPr>
             <p:ph idx="2" type="sldImg"/>
@@ -945,7 +945,7 @@
       </p:sp>
       <p:sp>
         <p:nvSpPr>
-          <p:cNvPr id="75" name="Google Shape;75;g2b076090bd6_0_25:notes"/>
+          <p:cNvPr id="74" name="Google Shape;74;g2b076090bd6_0_25:notes"/>
           <p:cNvSpPr txBox="1"/>
           <p:nvPr>
             <p:ph idx="1" type="body"/>
@@ -995,7 +995,7 @@
   <p:cSld>
     <p:spTree>
       <p:nvGrpSpPr>
-        <p:cNvPr id="87" name="Shape 87"/>
+        <p:cNvPr id="86" name="Shape 86"/>
         <p:cNvGrpSpPr/>
         <p:nvPr/>
       </p:nvGrpSpPr>
@@ -1009,7 +1009,7 @@
       </p:grpSpPr>
       <p:sp>
         <p:nvSpPr>
-          <p:cNvPr id="88" name="Google Shape;88;g2b076090bd6_0_69:notes"/>
+          <p:cNvPr id="87" name="Google Shape;87;g2b076090bd6_0_69:notes"/>
           <p:cNvSpPr/>
           <p:nvPr>
             <p:ph idx="2" type="sldImg"/>
@@ -1044,7 +1044,7 @@
       </p:sp>
       <p:sp>
         <p:nvSpPr>
-          <p:cNvPr id="89" name="Google Shape;89;g2b076090bd6_0_69:notes"/>
+          <p:cNvPr id="88" name="Google Shape;88;g2b076090bd6_0_69:notes"/>
           <p:cNvSpPr txBox="1"/>
           <p:nvPr>
             <p:ph idx="1" type="body"/>
@@ -1094,7 +1094,7 @@
   <p:cSld>
     <p:spTree>
       <p:nvGrpSpPr>
-        <p:cNvPr id="101" name="Shape 101"/>
+        <p:cNvPr id="100" name="Shape 100"/>
         <p:cNvGrpSpPr/>
         <p:nvPr/>
       </p:nvGrpSpPr>
@@ -1108,7 +1108,7 @@
       </p:grpSpPr>
       <p:sp>
         <p:nvSpPr>
-          <p:cNvPr id="102" name="Google Shape;102;g2b076090bd6_0_42:notes"/>
+          <p:cNvPr id="101" name="Google Shape;101;g2b076090bd6_0_42:notes"/>
           <p:cNvSpPr/>
           <p:nvPr>
             <p:ph idx="2" type="sldImg"/>
@@ -1143,7 +1143,7 @@
       </p:sp>
       <p:sp>
         <p:nvSpPr>
-          <p:cNvPr id="103" name="Google Shape;103;g2b076090bd6_0_42:notes"/>
+          <p:cNvPr id="102" name="Google Shape;102;g2b076090bd6_0_42:notes"/>
           <p:cNvSpPr txBox="1"/>
           <p:nvPr>
             <p:ph idx="1" type="body"/>
@@ -1193,7 +1193,7 @@
   <p:cSld>
     <p:spTree>
       <p:nvGrpSpPr>
-        <p:cNvPr id="123" name="Shape 123"/>
+        <p:cNvPr id="122" name="Shape 122"/>
         <p:cNvGrpSpPr/>
         <p:nvPr/>
       </p:nvGrpSpPr>
@@ -1207,7 +1207,7 @@
       </p:grpSpPr>
       <p:sp>
         <p:nvSpPr>
-          <p:cNvPr id="124" name="Google Shape;124;g2b076090bd6_0_94:notes"/>
+          <p:cNvPr id="123" name="Google Shape;123;g2b076090bd6_0_94:notes"/>
           <p:cNvSpPr/>
           <p:nvPr>
             <p:ph idx="2" type="sldImg"/>
@@ -1242,7 +1242,7 @@
       </p:sp>
       <p:sp>
         <p:nvSpPr>
-          <p:cNvPr id="125" name="Google Shape;125;g2b076090bd6_0_94:notes"/>
+          <p:cNvPr id="124" name="Google Shape;124;g2b076090bd6_0_94:notes"/>
           <p:cNvSpPr txBox="1"/>
           <p:nvPr>
             <p:ph idx="1" type="body"/>
@@ -1292,7 +1292,7 @@
   <p:cSld>
     <p:spTree>
       <p:nvGrpSpPr>
-        <p:cNvPr id="149" name="Shape 149"/>
+        <p:cNvPr id="148" name="Shape 148"/>
         <p:cNvGrpSpPr/>
         <p:nvPr/>
       </p:nvGrpSpPr>
@@ -1306,7 +1306,7 @@
       </p:grpSpPr>
       <p:sp>
         <p:nvSpPr>
-          <p:cNvPr id="150" name="Google Shape;150;g2b076090bd6_0_126:notes"/>
+          <p:cNvPr id="149" name="Google Shape;149;g2b076090bd6_0_126:notes"/>
           <p:cNvSpPr/>
           <p:nvPr>
             <p:ph idx="2" type="sldImg"/>
@@ -1341,7 +1341,7 @@
       </p:sp>
       <p:sp>
         <p:nvSpPr>
-          <p:cNvPr id="151" name="Google Shape;151;g2b076090bd6_0_126:notes"/>
+          <p:cNvPr id="150" name="Google Shape;150;g2b076090bd6_0_126:notes"/>
           <p:cNvSpPr txBox="1"/>
           <p:nvPr>
             <p:ph idx="1" type="body"/>
@@ -1391,7 +1391,7 @@
   <p:cSld>
     <p:spTree>
       <p:nvGrpSpPr>
-        <p:cNvPr id="168" name="Shape 168"/>
+        <p:cNvPr id="167" name="Shape 167"/>
         <p:cNvGrpSpPr/>
         <p:nvPr/>
       </p:nvGrpSpPr>
@@ -1405,7 +1405,7 @@
       </p:grpSpPr>
       <p:sp>
         <p:nvSpPr>
-          <p:cNvPr id="169" name="Google Shape;169;g2b076090bd6_0_156:notes"/>
+          <p:cNvPr id="168" name="Google Shape;168;g2b076090bd6_0_156:notes"/>
           <p:cNvSpPr/>
           <p:nvPr>
             <p:ph idx="2" type="sldImg"/>
@@ -1440,7 +1440,7 @@
       </p:sp>
       <p:sp>
         <p:nvSpPr>
-          <p:cNvPr id="170" name="Google Shape;170;g2b076090bd6_0_156:notes"/>
+          <p:cNvPr id="169" name="Google Shape;169;g2b076090bd6_0_156:notes"/>
           <p:cNvSpPr txBox="1"/>
           <p:nvPr>
             <p:ph idx="1" type="body"/>
@@ -6717,59 +6717,9 @@
           </a:p>
         </p:txBody>
       </p:sp>
-      <p:sp>
-        <p:nvSpPr>
-          <p:cNvPr id="70" name="Google Shape;70;p14"/>
-          <p:cNvSpPr txBox="1"/>
-          <p:nvPr/>
-        </p:nvSpPr>
-        <p:spPr>
-          <a:xfrm>
-            <a:off x="8446925" y="245250"/>
-            <a:ext cx="355200" cy="461700"/>
-          </a:xfrm>
-          <a:prstGeom prst="rect">
-            <a:avLst/>
-          </a:prstGeom>
-          <a:noFill/>
-          <a:ln>
-            <a:noFill/>
-          </a:ln>
-        </p:spPr>
-        <p:txBody>
-          <a:bodyPr anchorCtr="0" anchor="t" bIns="91425" lIns="91425" spcFirstLastPara="1" rIns="91425" wrap="square" tIns="91425">
-            <a:spAutoFit/>
-          </a:bodyPr>
-          <a:lstStyle/>
-          <a:p>
-            <a:pPr indent="0" lvl="0" marL="0" rtl="0" algn="ctr">
-              <a:spcBef>
-                <a:spcPts val="0"/>
-              </a:spcBef>
-              <a:spcAft>
-                <a:spcPts val="0"/>
-              </a:spcAft>
-              <a:buNone/>
-            </a:pPr>
-            <a:r>
-              <a:rPr b="1" lang="fr" sz="1800">
-                <a:solidFill>
-                  <a:srgbClr val="000000"/>
-                </a:solidFill>
-              </a:rPr>
-              <a:t>1</a:t>
-            </a:r>
-            <a:endParaRPr b="1" sz="1800">
-              <a:solidFill>
-                <a:srgbClr val="000000"/>
-              </a:solidFill>
-            </a:endParaRPr>
-          </a:p>
-        </p:txBody>
-      </p:sp>
       <p:cxnSp>
         <p:nvCxnSpPr>
-          <p:cNvPr id="71" name="Google Shape;71;p14"/>
+          <p:cNvPr id="70" name="Google Shape;70;p14"/>
           <p:cNvCxnSpPr/>
           <p:nvPr/>
         </p:nvCxnSpPr>
@@ -6795,7 +6745,7 @@
       </p:cxnSp>
       <p:sp>
         <p:nvSpPr>
-          <p:cNvPr id="72" name="Google Shape;72;p14"/>
+          <p:cNvPr id="71" name="Google Shape;71;p14"/>
           <p:cNvSpPr txBox="1"/>
           <p:nvPr/>
         </p:nvSpPr>
@@ -6833,7 +6783,7 @@
                   <a:srgbClr val="0A85D1"/>
                 </a:solidFill>
               </a:rPr>
-              <a:t>2.</a:t>
+              <a:t>1.</a:t>
             </a:r>
             <a:r>
               <a:rPr b="1" lang="fr" sz="1800">
@@ -6865,7 +6815,7 @@
                   <a:srgbClr val="0A85D1"/>
                 </a:solidFill>
               </a:rPr>
-              <a:t>3.</a:t>
+              <a:t>2.</a:t>
             </a:r>
             <a:r>
               <a:rPr b="1" lang="fr" sz="1800">
@@ -6897,7 +6847,7 @@
                   <a:srgbClr val="0A85D1"/>
                 </a:solidFill>
               </a:rPr>
-              <a:t>4.</a:t>
+              <a:t>3.</a:t>
             </a:r>
             <a:r>
               <a:rPr b="1" lang="fr" sz="1800">
@@ -6929,7 +6879,7 @@
                   <a:srgbClr val="0A85D1"/>
                 </a:solidFill>
               </a:rPr>
-              <a:t>5.</a:t>
+              <a:t>4.</a:t>
             </a:r>
             <a:r>
               <a:rPr b="1" lang="fr" sz="1800">
@@ -6961,7 +6911,7 @@
                   <a:srgbClr val="0A85D1"/>
                 </a:solidFill>
               </a:rPr>
-              <a:t>6.</a:t>
+              <a:t>5.</a:t>
             </a:r>
             <a:r>
               <a:rPr b="1" lang="fr" sz="1800">
@@ -6993,7 +6943,7 @@
                   <a:srgbClr val="0A85D1"/>
                 </a:solidFill>
               </a:rPr>
-              <a:t>7.</a:t>
+              <a:t>6.</a:t>
             </a:r>
             <a:r>
               <a:rPr b="1" lang="fr" sz="1800">
@@ -7031,7 +6981,7 @@
     </p:bg>
     <p:spTree>
       <p:nvGrpSpPr>
-        <p:cNvPr id="76" name="Shape 76"/>
+        <p:cNvPr id="75" name="Shape 75"/>
         <p:cNvGrpSpPr/>
         <p:nvPr/>
       </p:nvGrpSpPr>
@@ -7045,7 +6995,7 @@
       </p:grpSpPr>
       <p:sp>
         <p:nvSpPr>
-          <p:cNvPr id="77" name="Google Shape;77;p15"/>
+          <p:cNvPr id="76" name="Google Shape;76;p15"/>
           <p:cNvSpPr/>
           <p:nvPr/>
         </p:nvSpPr>
@@ -7090,7 +7040,7 @@
       </p:sp>
       <p:grpSp>
         <p:nvGrpSpPr>
-          <p:cNvPr id="78" name="Google Shape;78;p15"/>
+          <p:cNvPr id="77" name="Google Shape;77;p15"/>
           <p:cNvGrpSpPr/>
           <p:nvPr/>
         </p:nvGrpSpPr>
@@ -7104,7 +7054,7 @@
         </p:grpSpPr>
         <p:pic>
           <p:nvPicPr>
-            <p:cNvPr id="79" name="Google Shape;79;p15"/>
+            <p:cNvPr id="78" name="Google Shape;78;p15"/>
             <p:cNvPicPr preferRelativeResize="0"/>
             <p:nvPr/>
           </p:nvPicPr>
@@ -7132,7 +7082,7 @@
         </p:pic>
         <p:sp>
           <p:nvSpPr>
-            <p:cNvPr id="80" name="Google Shape;80;p15"/>
+            <p:cNvPr id="79" name="Google Shape;79;p15"/>
             <p:cNvSpPr txBox="1"/>
             <p:nvPr/>
           </p:nvSpPr>
@@ -7183,7 +7133,7 @@
       </p:grpSp>
       <p:sp>
         <p:nvSpPr>
-          <p:cNvPr id="81" name="Google Shape;81;p15"/>
+          <p:cNvPr id="80" name="Google Shape;80;p15"/>
           <p:cNvSpPr txBox="1"/>
           <p:nvPr/>
         </p:nvSpPr>
@@ -7241,7 +7191,7 @@
       </p:sp>
       <p:sp>
         <p:nvSpPr>
-          <p:cNvPr id="82" name="Google Shape;82;p15"/>
+          <p:cNvPr id="81" name="Google Shape;81;p15"/>
           <p:cNvSpPr txBox="1"/>
           <p:nvPr/>
         </p:nvSpPr>
@@ -7275,7 +7225,7 @@
             </a:pPr>
             <a:r>
               <a:rPr b="1" lang="fr" sz="1800"/>
-              <a:t>2</a:t>
+              <a:t>1</a:t>
             </a:r>
             <a:endParaRPr b="1" sz="1800">
               <a:solidFill>
@@ -7287,7 +7237,7 @@
       </p:sp>
       <p:cxnSp>
         <p:nvCxnSpPr>
-          <p:cNvPr id="83" name="Google Shape;83;p15"/>
+          <p:cNvPr id="82" name="Google Shape;82;p15"/>
           <p:cNvCxnSpPr/>
           <p:nvPr/>
         </p:nvCxnSpPr>
@@ -7313,7 +7263,7 @@
       </p:cxnSp>
       <p:pic>
         <p:nvPicPr>
-          <p:cNvPr id="84" name="Google Shape;84;p15"/>
+          <p:cNvPr id="83" name="Google Shape;83;p15"/>
           <p:cNvPicPr preferRelativeResize="0"/>
           <p:nvPr/>
         </p:nvPicPr>
@@ -7348,7 +7298,7 @@
       </p:pic>
       <p:sp>
         <p:nvSpPr>
-          <p:cNvPr id="85" name="Google Shape;85;p15"/>
+          <p:cNvPr id="84" name="Google Shape;84;p15"/>
           <p:cNvSpPr txBox="1"/>
           <p:nvPr/>
         </p:nvSpPr>
@@ -7414,7 +7364,7 @@
       </p:sp>
       <p:cxnSp>
         <p:nvCxnSpPr>
-          <p:cNvPr id="86" name="Google Shape;86;p15"/>
+          <p:cNvPr id="85" name="Google Shape;85;p15"/>
           <p:cNvCxnSpPr/>
           <p:nvPr/>
         </p:nvCxnSpPr>
@@ -7465,6 +7415,41 @@
                             <p:childTnLst>
                               <p:par>
                                 <p:cTn fill="hold" nodeType="clickEffect" presetClass="entr" presetID="10" presetSubtype="0">
+                                  <p:stCondLst>
+                                    <p:cond delay="0"/>
+                                  </p:stCondLst>
+                                  <p:childTnLst>
+                                    <p:set>
+                                      <p:cBhvr>
+                                        <p:cTn dur="1" fill="hold">
+                                          <p:stCondLst>
+                                            <p:cond delay="0"/>
+                                          </p:stCondLst>
+                                        </p:cTn>
+                                        <p:tgtEl>
+                                          <p:spTgt spid="83"/>
+                                        </p:tgtEl>
+                                        <p:attrNameLst>
+                                          <p:attrName>style.visibility</p:attrName>
+                                        </p:attrNameLst>
+                                      </p:cBhvr>
+                                      <p:to>
+                                        <p:strVal val="visible"/>
+                                      </p:to>
+                                    </p:set>
+                                    <p:animEffect filter="fade" transition="in">
+                                      <p:cBhvr>
+                                        <p:cTn dur="500"/>
+                                        <p:tgtEl>
+                                          <p:spTgt spid="83"/>
+                                        </p:tgtEl>
+                                      </p:cBhvr>
+                                    </p:animEffect>
+                                  </p:childTnLst>
+                                </p:cTn>
+                              </p:par>
+                              <p:par>
+                                <p:cTn fill="hold" nodeType="withEffect" presetClass="entr" presetID="10" presetSubtype="0">
                                   <p:stCondLst>
                                     <p:cond delay="0"/>
                                   </p:stCondLst>
@@ -7533,41 +7518,6 @@
                                   </p:childTnLst>
                                 </p:cTn>
                               </p:par>
-                              <p:par>
-                                <p:cTn fill="hold" nodeType="withEffect" presetClass="entr" presetID="10" presetSubtype="0">
-                                  <p:stCondLst>
-                                    <p:cond delay="0"/>
-                                  </p:stCondLst>
-                                  <p:childTnLst>
-                                    <p:set>
-                                      <p:cBhvr>
-                                        <p:cTn dur="1" fill="hold">
-                                          <p:stCondLst>
-                                            <p:cond delay="0"/>
-                                          </p:stCondLst>
-                                        </p:cTn>
-                                        <p:tgtEl>
-                                          <p:spTgt spid="86"/>
-                                        </p:tgtEl>
-                                        <p:attrNameLst>
-                                          <p:attrName>style.visibility</p:attrName>
-                                        </p:attrNameLst>
-                                      </p:cBhvr>
-                                      <p:to>
-                                        <p:strVal val="visible"/>
-                                      </p:to>
-                                    </p:set>
-                                    <p:animEffect filter="fade" transition="in">
-                                      <p:cBhvr>
-                                        <p:cTn dur="500"/>
-                                        <p:tgtEl>
-                                          <p:spTgt spid="86"/>
-                                        </p:tgtEl>
-                                      </p:cBhvr>
-                                    </p:animEffect>
-                                  </p:childTnLst>
-                                </p:cTn>
-                              </p:par>
                             </p:childTnLst>
                           </p:cTn>
                         </p:par>
@@ -7611,7 +7561,7 @@
     </p:bg>
     <p:spTree>
       <p:nvGrpSpPr>
-        <p:cNvPr id="90" name="Shape 90"/>
+        <p:cNvPr id="89" name="Shape 89"/>
         <p:cNvGrpSpPr/>
         <p:nvPr/>
       </p:nvGrpSpPr>
@@ -7625,7 +7575,7 @@
       </p:grpSpPr>
       <p:sp>
         <p:nvSpPr>
-          <p:cNvPr id="91" name="Google Shape;91;p16"/>
+          <p:cNvPr id="90" name="Google Shape;90;p16"/>
           <p:cNvSpPr/>
           <p:nvPr/>
         </p:nvSpPr>
@@ -7670,7 +7620,7 @@
       </p:sp>
       <p:grpSp>
         <p:nvGrpSpPr>
-          <p:cNvPr id="92" name="Google Shape;92;p16"/>
+          <p:cNvPr id="91" name="Google Shape;91;p16"/>
           <p:cNvGrpSpPr/>
           <p:nvPr/>
         </p:nvGrpSpPr>
@@ -7684,7 +7634,7 @@
         </p:grpSpPr>
         <p:pic>
           <p:nvPicPr>
-            <p:cNvPr id="93" name="Google Shape;93;p16"/>
+            <p:cNvPr id="92" name="Google Shape;92;p16"/>
             <p:cNvPicPr preferRelativeResize="0"/>
             <p:nvPr/>
           </p:nvPicPr>
@@ -7712,7 +7662,7 @@
         </p:pic>
         <p:sp>
           <p:nvSpPr>
-            <p:cNvPr id="94" name="Google Shape;94;p16"/>
+            <p:cNvPr id="93" name="Google Shape;93;p16"/>
             <p:cNvSpPr txBox="1"/>
             <p:nvPr/>
           </p:nvSpPr>
@@ -7763,7 +7713,7 @@
       </p:grpSp>
       <p:sp>
         <p:nvSpPr>
-          <p:cNvPr id="95" name="Google Shape;95;p16"/>
+          <p:cNvPr id="94" name="Google Shape;94;p16"/>
           <p:cNvSpPr txBox="1"/>
           <p:nvPr/>
         </p:nvSpPr>
@@ -7821,7 +7771,7 @@
       </p:sp>
       <p:sp>
         <p:nvSpPr>
-          <p:cNvPr id="96" name="Google Shape;96;p16"/>
+          <p:cNvPr id="95" name="Google Shape;95;p16"/>
           <p:cNvSpPr txBox="1"/>
           <p:nvPr/>
         </p:nvSpPr>
@@ -7855,7 +7805,7 @@
             </a:pPr>
             <a:r>
               <a:rPr b="1" lang="fr" sz="1800"/>
-              <a:t>3</a:t>
+              <a:t>2</a:t>
             </a:r>
             <a:endParaRPr b="1" sz="1800">
               <a:solidFill>
@@ -7867,7 +7817,7 @@
       </p:sp>
       <p:cxnSp>
         <p:nvCxnSpPr>
-          <p:cNvPr id="97" name="Google Shape;97;p16"/>
+          <p:cNvPr id="96" name="Google Shape;96;p16"/>
           <p:cNvCxnSpPr/>
           <p:nvPr/>
         </p:nvCxnSpPr>
@@ -7893,7 +7843,7 @@
       </p:cxnSp>
       <p:pic>
         <p:nvPicPr>
-          <p:cNvPr id="98" name="Google Shape;98;p16"/>
+          <p:cNvPr id="97" name="Google Shape;97;p16"/>
           <p:cNvPicPr preferRelativeResize="0"/>
           <p:nvPr/>
         </p:nvPicPr>
@@ -7927,7 +7877,7 @@
       </p:pic>
       <p:sp>
         <p:nvSpPr>
-          <p:cNvPr id="99" name="Google Shape;99;p16"/>
+          <p:cNvPr id="98" name="Google Shape;98;p16"/>
           <p:cNvSpPr txBox="1"/>
           <p:nvPr/>
         </p:nvSpPr>
@@ -7977,7 +7927,7 @@
       </p:sp>
       <p:cxnSp>
         <p:nvCxnSpPr>
-          <p:cNvPr id="100" name="Google Shape;100;p16"/>
+          <p:cNvPr id="99" name="Google Shape;99;p16"/>
           <p:cNvCxnSpPr/>
           <p:nvPr/>
         </p:nvCxnSpPr>
@@ -8028,6 +7978,41 @@
                             <p:childTnLst>
                               <p:par>
                                 <p:cTn fill="hold" nodeType="clickEffect" presetClass="entr" presetID="10" presetSubtype="0">
+                                  <p:stCondLst>
+                                    <p:cond delay="0"/>
+                                  </p:stCondLst>
+                                  <p:childTnLst>
+                                    <p:set>
+                                      <p:cBhvr>
+                                        <p:cTn dur="1" fill="hold">
+                                          <p:stCondLst>
+                                            <p:cond delay="0"/>
+                                          </p:stCondLst>
+                                        </p:cTn>
+                                        <p:tgtEl>
+                                          <p:spTgt spid="97"/>
+                                        </p:tgtEl>
+                                        <p:attrNameLst>
+                                          <p:attrName>style.visibility</p:attrName>
+                                        </p:attrNameLst>
+                                      </p:cBhvr>
+                                      <p:to>
+                                        <p:strVal val="visible"/>
+                                      </p:to>
+                                    </p:set>
+                                    <p:animEffect filter="fade" transition="in">
+                                      <p:cBhvr>
+                                        <p:cTn dur="500"/>
+                                        <p:tgtEl>
+                                          <p:spTgt spid="97"/>
+                                        </p:tgtEl>
+                                      </p:cBhvr>
+                                    </p:animEffect>
+                                  </p:childTnLst>
+                                </p:cTn>
+                              </p:par>
+                              <p:par>
+                                <p:cTn fill="hold" nodeType="withEffect" presetClass="entr" presetID="10" presetSubtype="0">
                                   <p:stCondLst>
                                     <p:cond delay="0"/>
                                   </p:stCondLst>
@@ -8096,41 +8081,6 @@
                                   </p:childTnLst>
                                 </p:cTn>
                               </p:par>
-                              <p:par>
-                                <p:cTn fill="hold" nodeType="withEffect" presetClass="entr" presetID="10" presetSubtype="0">
-                                  <p:stCondLst>
-                                    <p:cond delay="0"/>
-                                  </p:stCondLst>
-                                  <p:childTnLst>
-                                    <p:set>
-                                      <p:cBhvr>
-                                        <p:cTn dur="1" fill="hold">
-                                          <p:stCondLst>
-                                            <p:cond delay="0"/>
-                                          </p:stCondLst>
-                                        </p:cTn>
-                                        <p:tgtEl>
-                                          <p:spTgt spid="100"/>
-                                        </p:tgtEl>
-                                        <p:attrNameLst>
-                                          <p:attrName>style.visibility</p:attrName>
-                                        </p:attrNameLst>
-                                      </p:cBhvr>
-                                      <p:to>
-                                        <p:strVal val="visible"/>
-                                      </p:to>
-                                    </p:set>
-                                    <p:animEffect filter="fade" transition="in">
-                                      <p:cBhvr>
-                                        <p:cTn dur="500"/>
-                                        <p:tgtEl>
-                                          <p:spTgt spid="100"/>
-                                        </p:tgtEl>
-                                      </p:cBhvr>
-                                    </p:animEffect>
-                                  </p:childTnLst>
-                                </p:cTn>
-                              </p:par>
                             </p:childTnLst>
                           </p:cTn>
                         </p:par>
@@ -8174,7 +8124,7 @@
     </p:bg>
     <p:spTree>
       <p:nvGrpSpPr>
-        <p:cNvPr id="104" name="Shape 104"/>
+        <p:cNvPr id="103" name="Shape 103"/>
         <p:cNvGrpSpPr/>
         <p:nvPr/>
       </p:nvGrpSpPr>
@@ -8188,7 +8138,7 @@
       </p:grpSpPr>
       <p:sp>
         <p:nvSpPr>
-          <p:cNvPr id="105" name="Google Shape;105;p17"/>
+          <p:cNvPr id="104" name="Google Shape;104;p17"/>
           <p:cNvSpPr/>
           <p:nvPr/>
         </p:nvSpPr>
@@ -8233,7 +8183,7 @@
       </p:sp>
       <p:grpSp>
         <p:nvGrpSpPr>
-          <p:cNvPr id="106" name="Google Shape;106;p17"/>
+          <p:cNvPr id="105" name="Google Shape;105;p17"/>
           <p:cNvGrpSpPr/>
           <p:nvPr/>
         </p:nvGrpSpPr>
@@ -8247,7 +8197,7 @@
         </p:grpSpPr>
         <p:pic>
           <p:nvPicPr>
-            <p:cNvPr id="107" name="Google Shape;107;p17"/>
+            <p:cNvPr id="106" name="Google Shape;106;p17"/>
             <p:cNvPicPr preferRelativeResize="0"/>
             <p:nvPr/>
           </p:nvPicPr>
@@ -8275,7 +8225,7 @@
         </p:pic>
         <p:sp>
           <p:nvSpPr>
-            <p:cNvPr id="108" name="Google Shape;108;p17"/>
+            <p:cNvPr id="107" name="Google Shape;107;p17"/>
             <p:cNvSpPr txBox="1"/>
             <p:nvPr/>
           </p:nvSpPr>
@@ -8326,7 +8276,7 @@
       </p:grpSp>
       <p:sp>
         <p:nvSpPr>
-          <p:cNvPr id="109" name="Google Shape;109;p17"/>
+          <p:cNvPr id="108" name="Google Shape;108;p17"/>
           <p:cNvSpPr txBox="1"/>
           <p:nvPr/>
         </p:nvSpPr>
@@ -8389,7 +8339,7 @@
       </p:sp>
       <p:sp>
         <p:nvSpPr>
-          <p:cNvPr id="110" name="Google Shape;110;p17"/>
+          <p:cNvPr id="109" name="Google Shape;109;p17"/>
           <p:cNvSpPr txBox="1"/>
           <p:nvPr/>
         </p:nvSpPr>
@@ -8423,7 +8373,7 @@
             </a:pPr>
             <a:r>
               <a:rPr b="1" lang="fr" sz="1800"/>
-              <a:t>4</a:t>
+              <a:t>3</a:t>
             </a:r>
             <a:endParaRPr b="1" sz="1800">
               <a:solidFill>
@@ -8435,7 +8385,7 @@
       </p:sp>
       <p:cxnSp>
         <p:nvCxnSpPr>
-          <p:cNvPr id="111" name="Google Shape;111;p17"/>
+          <p:cNvPr id="110" name="Google Shape;110;p17"/>
           <p:cNvCxnSpPr/>
           <p:nvPr/>
         </p:nvCxnSpPr>
@@ -8461,14 +8411,14 @@
       </p:cxnSp>
       <p:sp>
         <p:nvSpPr>
-          <p:cNvPr id="112" name="Google Shape;112;p17"/>
+          <p:cNvPr id="111" name="Google Shape;111;p17"/>
           <p:cNvSpPr txBox="1"/>
           <p:nvPr/>
         </p:nvSpPr>
         <p:spPr>
           <a:xfrm>
-            <a:off x="1956100" y="917975"/>
-            <a:ext cx="5231700" cy="738900"/>
+            <a:off x="1573350" y="917975"/>
+            <a:ext cx="5997300" cy="738900"/>
           </a:xfrm>
           <a:prstGeom prst="rect">
             <a:avLst/>
@@ -8523,7 +8473,7 @@
                   <a:schemeClr val="dk1"/>
                 </a:solidFill>
               </a:rPr>
-              <a:t>contrôlé</a:t>
+              <a:t>contrôlée</a:t>
             </a:r>
             <a:r>
               <a:rPr b="1" lang="fr" sz="1800">
@@ -8531,7 +8481,7 @@
                   <a:schemeClr val="dk1"/>
                 </a:solidFill>
               </a:rPr>
-              <a:t> grâce au 4 catégories mise en place.</a:t>
+              <a:t> grâce aux 4 catégories mises en place.</a:t>
             </a:r>
             <a:endParaRPr b="1" sz="1800">
               <a:solidFill>
@@ -8543,7 +8493,7 @@
       </p:sp>
       <p:cxnSp>
         <p:nvCxnSpPr>
-          <p:cNvPr id="113" name="Google Shape;113;p17"/>
+          <p:cNvPr id="112" name="Google Shape;112;p17"/>
           <p:cNvCxnSpPr/>
           <p:nvPr/>
         </p:nvCxnSpPr>
@@ -8569,7 +8519,7 @@
       </p:cxnSp>
       <p:pic>
         <p:nvPicPr>
-          <p:cNvPr id="114" name="Google Shape;114;p17"/>
+          <p:cNvPr id="113" name="Google Shape;113;p17"/>
           <p:cNvPicPr preferRelativeResize="0"/>
           <p:nvPr/>
         </p:nvPicPr>
@@ -8585,6 +8535,41 @@
           <a:xfrm>
             <a:off x="6667250" y="2927850"/>
             <a:ext cx="1860975" cy="1834198"/>
+          </a:xfrm>
+          <a:prstGeom prst="rect">
+            <a:avLst/>
+          </a:prstGeom>
+          <a:noFill/>
+          <a:ln>
+            <a:noFill/>
+          </a:ln>
+          <a:effectLst>
+            <a:outerShdw blurRad="142875" rotWithShape="0" algn="bl" dir="1200000" dist="95250">
+              <a:srgbClr val="000000">
+                <a:alpha val="50000"/>
+              </a:srgbClr>
+            </a:outerShdw>
+          </a:effectLst>
+        </p:spPr>
+      </p:pic>
+      <p:pic>
+        <p:nvPicPr>
+          <p:cNvPr id="114" name="Google Shape;114;p17"/>
+          <p:cNvPicPr preferRelativeResize="0"/>
+          <p:nvPr/>
+        </p:nvPicPr>
+        <p:blipFill>
+          <a:blip r:embed="rId5">
+            <a:alphaModFix/>
+          </a:blip>
+          <a:stretch>
+            <a:fillRect/>
+          </a:stretch>
+        </p:blipFill>
+        <p:spPr>
+          <a:xfrm>
+            <a:off x="615775" y="2927850"/>
+            <a:ext cx="1860975" cy="1834200"/>
           </a:xfrm>
           <a:prstGeom prst="rect">
             <a:avLst/>
@@ -8609,7 +8594,7 @@
           <p:nvPr/>
         </p:nvPicPr>
         <p:blipFill>
-          <a:blip r:embed="rId5">
+          <a:blip r:embed="rId6">
             <a:alphaModFix/>
           </a:blip>
           <a:stretch>
@@ -8618,8 +8603,8 @@
         </p:blipFill>
         <p:spPr>
           <a:xfrm>
-            <a:off x="615775" y="2927850"/>
-            <a:ext cx="1860975" cy="1834200"/>
+            <a:off x="2631950" y="2927850"/>
+            <a:ext cx="1860975" cy="1834198"/>
           </a:xfrm>
           <a:prstGeom prst="rect">
             <a:avLst/>
@@ -8644,41 +8629,6 @@
           <p:nvPr/>
         </p:nvPicPr>
         <p:blipFill>
-          <a:blip r:embed="rId6">
-            <a:alphaModFix/>
-          </a:blip>
-          <a:stretch>
-            <a:fillRect/>
-          </a:stretch>
-        </p:blipFill>
-        <p:spPr>
-          <a:xfrm>
-            <a:off x="2631950" y="2927850"/>
-            <a:ext cx="1860975" cy="1834198"/>
-          </a:xfrm>
-          <a:prstGeom prst="rect">
-            <a:avLst/>
-          </a:prstGeom>
-          <a:noFill/>
-          <a:ln>
-            <a:noFill/>
-          </a:ln>
-          <a:effectLst>
-            <a:outerShdw blurRad="142875" rotWithShape="0" algn="bl" dir="1200000" dist="95250">
-              <a:srgbClr val="000000">
-                <a:alpha val="50000"/>
-              </a:srgbClr>
-            </a:outerShdw>
-          </a:effectLst>
-        </p:spPr>
-      </p:pic>
-      <p:pic>
-        <p:nvPicPr>
-          <p:cNvPr id="117" name="Google Shape;117;p17"/>
-          <p:cNvPicPr preferRelativeResize="0"/>
-          <p:nvPr/>
-        </p:nvPicPr>
-        <p:blipFill>
           <a:blip r:embed="rId7">
             <a:alphaModFix/>
           </a:blip>
@@ -8709,7 +8659,7 @@
       </p:pic>
       <p:sp>
         <p:nvSpPr>
-          <p:cNvPr id="118" name="Google Shape;118;p17"/>
+          <p:cNvPr id="117" name="Google Shape;117;p17"/>
           <p:cNvSpPr txBox="1"/>
           <p:nvPr/>
         </p:nvSpPr>
@@ -8767,13 +8717,39 @@
       </p:sp>
       <p:cxnSp>
         <p:nvCxnSpPr>
+          <p:cNvPr id="118" name="Google Shape;118;p17"/>
+          <p:cNvCxnSpPr/>
+          <p:nvPr/>
+        </p:nvCxnSpPr>
+        <p:spPr>
+          <a:xfrm>
+            <a:off x="874100" y="2347800"/>
+            <a:ext cx="0" cy="447900"/>
+          </a:xfrm>
+          <a:prstGeom prst="straightConnector1">
+            <a:avLst/>
+          </a:prstGeom>
+          <a:noFill/>
+          <a:ln cap="flat" cmpd="sng" w="28575">
+            <a:solidFill>
+              <a:srgbClr val="0A85D1"/>
+            </a:solidFill>
+            <a:prstDash val="solid"/>
+            <a:round/>
+            <a:headEnd len="med" w="med" type="none"/>
+            <a:tailEnd len="med" w="med" type="triangle"/>
+          </a:ln>
+        </p:spPr>
+      </p:cxnSp>
+      <p:cxnSp>
+        <p:nvCxnSpPr>
           <p:cNvPr id="119" name="Google Shape;119;p17"/>
           <p:cNvCxnSpPr/>
           <p:nvPr/>
         </p:nvCxnSpPr>
         <p:spPr>
           <a:xfrm>
-            <a:off x="874100" y="2347800"/>
+            <a:off x="2889600" y="2347800"/>
             <a:ext cx="0" cy="447900"/>
           </a:xfrm>
           <a:prstGeom prst="straightConnector1">
@@ -8799,7 +8775,7 @@
         </p:nvCxnSpPr>
         <p:spPr>
           <a:xfrm>
-            <a:off x="2889600" y="2347800"/>
+            <a:off x="4905100" y="2347800"/>
             <a:ext cx="0" cy="447900"/>
           </a:xfrm>
           <a:prstGeom prst="straightConnector1">
@@ -8820,32 +8796,6 @@
       <p:cxnSp>
         <p:nvCxnSpPr>
           <p:cNvPr id="121" name="Google Shape;121;p17"/>
-          <p:cNvCxnSpPr/>
-          <p:nvPr/>
-        </p:nvCxnSpPr>
-        <p:spPr>
-          <a:xfrm>
-            <a:off x="4905100" y="2347800"/>
-            <a:ext cx="0" cy="447900"/>
-          </a:xfrm>
-          <a:prstGeom prst="straightConnector1">
-            <a:avLst/>
-          </a:prstGeom>
-          <a:noFill/>
-          <a:ln cap="flat" cmpd="sng" w="28575">
-            <a:solidFill>
-              <a:srgbClr val="0A85D1"/>
-            </a:solidFill>
-            <a:prstDash val="solid"/>
-            <a:round/>
-            <a:headEnd len="med" w="med" type="none"/>
-            <a:tailEnd len="med" w="med" type="triangle"/>
-          </a:ln>
-        </p:spPr>
-      </p:cxnSp>
-      <p:cxnSp>
-        <p:nvCxnSpPr>
-          <p:cNvPr id="122" name="Google Shape;122;p17"/>
           <p:cNvCxnSpPr/>
           <p:nvPr/>
         </p:nvCxnSpPr>
@@ -8908,6 +8858,41 @@
                                           </p:stCondLst>
                                         </p:cTn>
                                         <p:tgtEl>
+                                          <p:spTgt spid="111"/>
+                                        </p:tgtEl>
+                                        <p:attrNameLst>
+                                          <p:attrName>style.visibility</p:attrName>
+                                        </p:attrNameLst>
+                                      </p:cBhvr>
+                                      <p:to>
+                                        <p:strVal val="visible"/>
+                                      </p:to>
+                                    </p:set>
+                                    <p:animEffect filter="fade" transition="in">
+                                      <p:cBhvr>
+                                        <p:cTn dur="500"/>
+                                        <p:tgtEl>
+                                          <p:spTgt spid="111"/>
+                                        </p:tgtEl>
+                                      </p:cBhvr>
+                                    </p:animEffect>
+                                  </p:childTnLst>
+                                </p:cTn>
+                              </p:par>
+                              <p:par>
+                                <p:cTn fill="hold" nodeType="withEffect" presetClass="entr" presetID="10" presetSubtype="0">
+                                  <p:stCondLst>
+                                    <p:cond delay="0"/>
+                                  </p:stCondLst>
+                                  <p:childTnLst>
+                                    <p:set>
+                                      <p:cBhvr>
+                                        <p:cTn dur="1" fill="hold">
+                                          <p:stCondLst>
+                                            <p:cond delay="0"/>
+                                          </p:stCondLst>
+                                        </p:cTn>
+                                        <p:tgtEl>
                                           <p:spTgt spid="112"/>
                                         </p:tgtEl>
                                         <p:attrNameLst>
@@ -8943,7 +8928,7 @@
                                           </p:stCondLst>
                                         </p:cTn>
                                         <p:tgtEl>
-                                          <p:spTgt spid="113"/>
+                                          <p:spTgt spid="117"/>
                                         </p:tgtEl>
                                         <p:attrNameLst>
                                           <p:attrName>style.visibility</p:attrName>
@@ -8957,7 +8942,60 @@
                                       <p:cBhvr>
                                         <p:cTn dur="500"/>
                                         <p:tgtEl>
-                                          <p:spTgt spid="113"/>
+                                          <p:spTgt spid="117"/>
+                                        </p:tgtEl>
+                                      </p:cBhvr>
+                                    </p:animEffect>
+                                  </p:childTnLst>
+                                </p:cTn>
+                              </p:par>
+                            </p:childTnLst>
+                          </p:cTn>
+                        </p:par>
+                      </p:childTnLst>
+                    </p:cTn>
+                  </p:par>
+                  <p:par>
+                    <p:cTn fill="hold">
+                      <p:stCondLst>
+                        <p:cond delay="indefinite"/>
+                      </p:stCondLst>
+                      <p:childTnLst>
+                        <p:par>
+                          <p:cTn fill="hold">
+                            <p:stCondLst>
+                              <p:cond delay="0"/>
+                            </p:stCondLst>
+                            <p:childTnLst>
+                              <p:par>
+                                <p:cTn fill="hold" nodeType="clickEffect" presetClass="entr" presetID="10" presetSubtype="0">
+                                  <p:stCondLst>
+                                    <p:cond delay="0"/>
+                                  </p:stCondLst>
+                                  <p:childTnLst>
+                                    <p:set>
+                                      <p:cBhvr>
+                                        <p:cTn dur="1" fill="hold">
+                                          <p:stCondLst>
+                                            <p:cond delay="0"/>
+                                          </p:stCondLst>
+                                        </p:cTn>
+                                        <p:tgtEl>
+                                          <p:spTgt spid="114"/>
+                                        </p:tgtEl>
+                                        <p:attrNameLst>
+                                          <p:attrName>style.visibility</p:attrName>
+                                        </p:attrNameLst>
+                                      </p:cBhvr>
+                                      <p:to>
+                                        <p:strVal val="visible"/>
+                                      </p:to>
+                                    </p:set>
+                                    <p:animEffect filter="fade" transition="in">
+                                      <p:cBhvr>
+                                        <p:cTn dur="500"/>
+                                        <p:tgtEl>
+                                          <p:spTgt spid="114"/>
                                         </p:tgtEl>
                                       </p:cBhvr>
                                     </p:animEffect>
@@ -9207,7 +9245,7 @@
                                           </p:stCondLst>
                                         </p:cTn>
                                         <p:tgtEl>
-                                          <p:spTgt spid="117"/>
+                                          <p:spTgt spid="113"/>
                                         </p:tgtEl>
                                         <p:attrNameLst>
                                           <p:attrName>style.visibility</p:attrName>
@@ -9221,7 +9259,7 @@
                                       <p:cBhvr>
                                         <p:cTn dur="500"/>
                                         <p:tgtEl>
-                                          <p:spTgt spid="117"/>
+                                          <p:spTgt spid="113"/>
                                         </p:tgtEl>
                                       </p:cBhvr>
                                     </p:animEffect>
@@ -9257,94 +9295,6 @@
                                         <p:cTn dur="500"/>
                                         <p:tgtEl>
                                           <p:spTgt spid="121"/>
-                                        </p:tgtEl>
-                                      </p:cBhvr>
-                                    </p:animEffect>
-                                  </p:childTnLst>
-                                </p:cTn>
-                              </p:par>
-                            </p:childTnLst>
-                          </p:cTn>
-                        </p:par>
-                      </p:childTnLst>
-                    </p:cTn>
-                  </p:par>
-                  <p:par>
-                    <p:cTn fill="hold">
-                      <p:stCondLst>
-                        <p:cond delay="indefinite"/>
-                      </p:stCondLst>
-                      <p:childTnLst>
-                        <p:par>
-                          <p:cTn fill="hold">
-                            <p:stCondLst>
-                              <p:cond delay="0"/>
-                            </p:stCondLst>
-                            <p:childTnLst>
-                              <p:par>
-                                <p:cTn fill="hold" nodeType="clickEffect" presetClass="entr" presetID="10" presetSubtype="0">
-                                  <p:stCondLst>
-                                    <p:cond delay="0"/>
-                                  </p:stCondLst>
-                                  <p:childTnLst>
-                                    <p:set>
-                                      <p:cBhvr>
-                                        <p:cTn dur="1" fill="hold">
-                                          <p:stCondLst>
-                                            <p:cond delay="0"/>
-                                          </p:stCondLst>
-                                        </p:cTn>
-                                        <p:tgtEl>
-                                          <p:spTgt spid="114"/>
-                                        </p:tgtEl>
-                                        <p:attrNameLst>
-                                          <p:attrName>style.visibility</p:attrName>
-                                        </p:attrNameLst>
-                                      </p:cBhvr>
-                                      <p:to>
-                                        <p:strVal val="visible"/>
-                                      </p:to>
-                                    </p:set>
-                                    <p:animEffect filter="fade" transition="in">
-                                      <p:cBhvr>
-                                        <p:cTn dur="500"/>
-                                        <p:tgtEl>
-                                          <p:spTgt spid="114"/>
-                                        </p:tgtEl>
-                                      </p:cBhvr>
-                                    </p:animEffect>
-                                  </p:childTnLst>
-                                </p:cTn>
-                              </p:par>
-                              <p:par>
-                                <p:cTn fill="hold" nodeType="withEffect" presetClass="entr" presetID="10" presetSubtype="0">
-                                  <p:stCondLst>
-                                    <p:cond delay="0"/>
-                                  </p:stCondLst>
-                                  <p:childTnLst>
-                                    <p:set>
-                                      <p:cBhvr>
-                                        <p:cTn dur="1" fill="hold">
-                                          <p:stCondLst>
-                                            <p:cond delay="0"/>
-                                          </p:stCondLst>
-                                        </p:cTn>
-                                        <p:tgtEl>
-                                          <p:spTgt spid="122"/>
-                                        </p:tgtEl>
-                                        <p:attrNameLst>
-                                          <p:attrName>style.visibility</p:attrName>
-                                        </p:attrNameLst>
-                                      </p:cBhvr>
-                                      <p:to>
-                                        <p:strVal val="visible"/>
-                                      </p:to>
-                                    </p:set>
-                                    <p:animEffect filter="fade" transition="in">
-                                      <p:cBhvr>
-                                        <p:cTn dur="500"/>
-                                        <p:tgtEl>
-                                          <p:spTgt spid="122"/>
                                         </p:tgtEl>
                                       </p:cBhvr>
                                     </p:animEffect>
@@ -9394,7 +9344,7 @@
     </p:bg>
     <p:spTree>
       <p:nvGrpSpPr>
-        <p:cNvPr id="126" name="Shape 126"/>
+        <p:cNvPr id="125" name="Shape 125"/>
         <p:cNvGrpSpPr/>
         <p:nvPr/>
       </p:nvGrpSpPr>
@@ -9408,7 +9358,7 @@
       </p:grpSpPr>
       <p:sp>
         <p:nvSpPr>
-          <p:cNvPr id="127" name="Google Shape;127;p18"/>
+          <p:cNvPr id="126" name="Google Shape;126;p18"/>
           <p:cNvSpPr/>
           <p:nvPr/>
         </p:nvSpPr>
@@ -9454,7 +9404,7 @@
       </p:sp>
       <p:grpSp>
         <p:nvGrpSpPr>
-          <p:cNvPr id="128" name="Google Shape;128;p18"/>
+          <p:cNvPr id="127" name="Google Shape;127;p18"/>
           <p:cNvGrpSpPr/>
           <p:nvPr/>
         </p:nvGrpSpPr>
@@ -9468,7 +9418,7 @@
         </p:grpSpPr>
         <p:pic>
           <p:nvPicPr>
-            <p:cNvPr id="129" name="Google Shape;129;p18"/>
+            <p:cNvPr id="128" name="Google Shape;128;p18"/>
             <p:cNvPicPr preferRelativeResize="0"/>
             <p:nvPr/>
           </p:nvPicPr>
@@ -9496,7 +9446,7 @@
         </p:pic>
         <p:sp>
           <p:nvSpPr>
-            <p:cNvPr id="130" name="Google Shape;130;p18"/>
+            <p:cNvPr id="129" name="Google Shape;129;p18"/>
             <p:cNvSpPr txBox="1"/>
             <p:nvPr/>
           </p:nvSpPr>
@@ -9547,7 +9497,7 @@
       </p:grpSp>
       <p:sp>
         <p:nvSpPr>
-          <p:cNvPr id="131" name="Google Shape;131;p18"/>
+          <p:cNvPr id="130" name="Google Shape;130;p18"/>
           <p:cNvSpPr txBox="1"/>
           <p:nvPr/>
         </p:nvSpPr>
@@ -9605,7 +9555,7 @@
       </p:sp>
       <p:sp>
         <p:nvSpPr>
-          <p:cNvPr id="132" name="Google Shape;132;p18"/>
+          <p:cNvPr id="131" name="Google Shape;131;p18"/>
           <p:cNvSpPr txBox="1"/>
           <p:nvPr/>
         </p:nvSpPr>
@@ -9639,7 +9589,7 @@
             </a:pPr>
             <a:r>
               <a:rPr b="1" lang="fr" sz="1800"/>
-              <a:t>5</a:t>
+              <a:t>4</a:t>
             </a:r>
             <a:endParaRPr b="1" sz="1800">
               <a:solidFill>
@@ -9651,7 +9601,7 @@
       </p:sp>
       <p:cxnSp>
         <p:nvCxnSpPr>
-          <p:cNvPr id="133" name="Google Shape;133;p18"/>
+          <p:cNvPr id="132" name="Google Shape;132;p18"/>
           <p:cNvCxnSpPr/>
           <p:nvPr/>
         </p:nvCxnSpPr>
@@ -9677,7 +9627,7 @@
       </p:cxnSp>
       <p:sp>
         <p:nvSpPr>
-          <p:cNvPr id="134" name="Google Shape;134;p18"/>
+          <p:cNvPr id="133" name="Google Shape;133;p18"/>
           <p:cNvSpPr txBox="1"/>
           <p:nvPr/>
         </p:nvSpPr>
@@ -9759,7 +9709,7 @@
       </p:sp>
       <p:pic>
         <p:nvPicPr>
-          <p:cNvPr id="135" name="Google Shape;135;p18"/>
+          <p:cNvPr id="134" name="Google Shape;134;p18"/>
           <p:cNvPicPr preferRelativeResize="0"/>
           <p:nvPr/>
         </p:nvPicPr>
@@ -9793,7 +9743,7 @@
       </p:pic>
       <p:sp>
         <p:nvSpPr>
-          <p:cNvPr id="136" name="Google Shape;136;p18"/>
+          <p:cNvPr id="135" name="Google Shape;135;p18"/>
           <p:cNvSpPr txBox="1"/>
           <p:nvPr/>
         </p:nvSpPr>
@@ -9867,13 +9817,39 @@
       </p:sp>
       <p:cxnSp>
         <p:nvCxnSpPr>
+          <p:cNvPr id="136" name="Google Shape;136;p18"/>
+          <p:cNvCxnSpPr/>
+          <p:nvPr/>
+        </p:nvCxnSpPr>
+        <p:spPr>
+          <a:xfrm>
+            <a:off x="4108088" y="2392236"/>
+            <a:ext cx="527700" cy="0"/>
+          </a:xfrm>
+          <a:prstGeom prst="straightConnector1">
+            <a:avLst/>
+          </a:prstGeom>
+          <a:noFill/>
+          <a:ln cap="flat" cmpd="sng" w="28575">
+            <a:solidFill>
+              <a:srgbClr val="0A85D1"/>
+            </a:solidFill>
+            <a:prstDash val="solid"/>
+            <a:round/>
+            <a:headEnd len="med" w="med" type="none"/>
+            <a:tailEnd len="med" w="med" type="triangle"/>
+          </a:ln>
+        </p:spPr>
+      </p:cxnSp>
+      <p:cxnSp>
+        <p:nvCxnSpPr>
           <p:cNvPr id="137" name="Google Shape;137;p18"/>
           <p:cNvCxnSpPr/>
           <p:nvPr/>
         </p:nvCxnSpPr>
         <p:spPr>
           <a:xfrm>
-            <a:off x="4108088" y="2392236"/>
+            <a:off x="4108088" y="2719361"/>
             <a:ext cx="527700" cy="0"/>
           </a:xfrm>
           <a:prstGeom prst="straightConnector1">
@@ -9899,7 +9875,7 @@
         </p:nvCxnSpPr>
         <p:spPr>
           <a:xfrm>
-            <a:off x="4108088" y="2719361"/>
+            <a:off x="4108088" y="3023211"/>
             <a:ext cx="527700" cy="0"/>
           </a:xfrm>
           <a:prstGeom prst="straightConnector1">
@@ -9925,7 +9901,7 @@
         </p:nvCxnSpPr>
         <p:spPr>
           <a:xfrm>
-            <a:off x="4108088" y="3023211"/>
+            <a:off x="4108088" y="3317361"/>
             <a:ext cx="527700" cy="0"/>
           </a:xfrm>
           <a:prstGeom prst="straightConnector1">
@@ -9951,7 +9927,7 @@
         </p:nvCxnSpPr>
         <p:spPr>
           <a:xfrm>
-            <a:off x="4108088" y="3317361"/>
+            <a:off x="4108088" y="3634861"/>
             <a:ext cx="527700" cy="0"/>
           </a:xfrm>
           <a:prstGeom prst="straightConnector1">
@@ -9977,32 +9953,6 @@
         </p:nvCxnSpPr>
         <p:spPr>
           <a:xfrm>
-            <a:off x="4108088" y="3634861"/>
-            <a:ext cx="527700" cy="0"/>
-          </a:xfrm>
-          <a:prstGeom prst="straightConnector1">
-            <a:avLst/>
-          </a:prstGeom>
-          <a:noFill/>
-          <a:ln cap="flat" cmpd="sng" w="28575">
-            <a:solidFill>
-              <a:srgbClr val="0A85D1"/>
-            </a:solidFill>
-            <a:prstDash val="solid"/>
-            <a:round/>
-            <a:headEnd len="med" w="med" type="none"/>
-            <a:tailEnd len="med" w="med" type="triangle"/>
-          </a:ln>
-        </p:spPr>
-      </p:cxnSp>
-      <p:cxnSp>
-        <p:nvCxnSpPr>
-          <p:cNvPr id="142" name="Google Shape;142;p18"/>
-          <p:cNvCxnSpPr/>
-          <p:nvPr/>
-        </p:nvCxnSpPr>
-        <p:spPr>
-          <a:xfrm>
             <a:off x="4108088" y="4067836"/>
             <a:ext cx="527700" cy="0"/>
           </a:xfrm>
@@ -10023,7 +9973,7 @@
       </p:cxnSp>
       <p:sp>
         <p:nvSpPr>
-          <p:cNvPr id="143" name="Google Shape;143;p18"/>
+          <p:cNvPr id="142" name="Google Shape;142;p18"/>
           <p:cNvSpPr txBox="1"/>
           <p:nvPr/>
         </p:nvSpPr>
@@ -10081,7 +10031,7 @@
       </p:sp>
       <p:sp>
         <p:nvSpPr>
-          <p:cNvPr id="144" name="Google Shape;144;p18"/>
+          <p:cNvPr id="143" name="Google Shape;143;p18"/>
           <p:cNvSpPr txBox="1"/>
           <p:nvPr/>
         </p:nvSpPr>
@@ -10131,7 +10081,7 @@
       </p:sp>
       <p:sp>
         <p:nvSpPr>
-          <p:cNvPr id="145" name="Google Shape;145;p18"/>
+          <p:cNvPr id="144" name="Google Shape;144;p18"/>
           <p:cNvSpPr txBox="1"/>
           <p:nvPr/>
         </p:nvSpPr>
@@ -10181,7 +10131,7 @@
       </p:sp>
       <p:sp>
         <p:nvSpPr>
-          <p:cNvPr id="146" name="Google Shape;146;p18"/>
+          <p:cNvPr id="145" name="Google Shape;145;p18"/>
           <p:cNvSpPr txBox="1"/>
           <p:nvPr/>
         </p:nvSpPr>
@@ -10231,7 +10181,7 @@
       </p:sp>
       <p:sp>
         <p:nvSpPr>
-          <p:cNvPr id="147" name="Google Shape;147;p18"/>
+          <p:cNvPr id="146" name="Google Shape;146;p18"/>
           <p:cNvSpPr txBox="1"/>
           <p:nvPr/>
         </p:nvSpPr>
@@ -10289,7 +10239,7 @@
       </p:sp>
       <p:cxnSp>
         <p:nvCxnSpPr>
-          <p:cNvPr id="148" name="Google Shape;148;p18"/>
+          <p:cNvPr id="147" name="Google Shape;147;p18"/>
           <p:cNvCxnSpPr/>
           <p:nvPr/>
         </p:nvCxnSpPr>
@@ -10352,6 +10302,76 @@
                                           </p:stCondLst>
                                         </p:cTn>
                                         <p:tgtEl>
+                                          <p:spTgt spid="133"/>
+                                        </p:tgtEl>
+                                        <p:attrNameLst>
+                                          <p:attrName>style.visibility</p:attrName>
+                                        </p:attrNameLst>
+                                      </p:cBhvr>
+                                      <p:to>
+                                        <p:strVal val="visible"/>
+                                      </p:to>
+                                    </p:set>
+                                    <p:animEffect filter="fade" transition="in">
+                                      <p:cBhvr>
+                                        <p:cTn dur="500"/>
+                                        <p:tgtEl>
+                                          <p:spTgt spid="133"/>
+                                        </p:tgtEl>
+                                      </p:cBhvr>
+                                    </p:animEffect>
+                                  </p:childTnLst>
+                                </p:cTn>
+                              </p:par>
+                              <p:par>
+                                <p:cTn fill="hold" nodeType="withEffect" presetClass="entr" presetID="10" presetSubtype="0">
+                                  <p:stCondLst>
+                                    <p:cond delay="0"/>
+                                  </p:stCondLst>
+                                  <p:childTnLst>
+                                    <p:set>
+                                      <p:cBhvr>
+                                        <p:cTn dur="1" fill="hold">
+                                          <p:stCondLst>
+                                            <p:cond delay="0"/>
+                                          </p:stCondLst>
+                                        </p:cTn>
+                                        <p:tgtEl>
+                                          <p:spTgt spid="147"/>
+                                        </p:tgtEl>
+                                        <p:attrNameLst>
+                                          <p:attrName>style.visibility</p:attrName>
+                                        </p:attrNameLst>
+                                      </p:cBhvr>
+                                      <p:to>
+                                        <p:strVal val="visible"/>
+                                      </p:to>
+                                    </p:set>
+                                    <p:animEffect filter="fade" transition="in">
+                                      <p:cBhvr>
+                                        <p:cTn dur="500"/>
+                                        <p:tgtEl>
+                                          <p:spTgt spid="147"/>
+                                        </p:tgtEl>
+                                      </p:cBhvr>
+                                    </p:animEffect>
+                                  </p:childTnLst>
+                                </p:cTn>
+                              </p:par>
+                              <p:par>
+                                <p:cTn fill="hold" nodeType="withEffect" presetClass="entr" presetID="10" presetSubtype="0">
+                                  <p:stCondLst>
+                                    <p:cond delay="0"/>
+                                  </p:stCondLst>
+                                  <p:childTnLst>
+                                    <p:set>
+                                      <p:cBhvr>
+                                        <p:cTn dur="1" fill="hold">
+                                          <p:stCondLst>
+                                            <p:cond delay="0"/>
+                                          </p:stCondLst>
+                                        </p:cTn>
+                                        <p:tgtEl>
                                           <p:spTgt spid="134"/>
                                         </p:tgtEl>
                                         <p:attrNameLst>
@@ -10373,6 +10393,59 @@
                                   </p:childTnLst>
                                 </p:cTn>
                               </p:par>
+                            </p:childTnLst>
+                          </p:cTn>
+                        </p:par>
+                      </p:childTnLst>
+                    </p:cTn>
+                  </p:par>
+                  <p:par>
+                    <p:cTn fill="hold">
+                      <p:stCondLst>
+                        <p:cond delay="indefinite"/>
+                      </p:stCondLst>
+                      <p:childTnLst>
+                        <p:par>
+                          <p:cTn fill="hold">
+                            <p:stCondLst>
+                              <p:cond delay="0"/>
+                            </p:stCondLst>
+                            <p:childTnLst>
+                              <p:par>
+                                <p:cTn fill="hold" nodeType="clickEffect" presetClass="entr" presetID="10" presetSubtype="0">
+                                  <p:stCondLst>
+                                    <p:cond delay="0"/>
+                                  </p:stCondLst>
+                                  <p:childTnLst>
+                                    <p:set>
+                                      <p:cBhvr>
+                                        <p:cTn dur="1" fill="hold">
+                                          <p:stCondLst>
+                                            <p:cond delay="0"/>
+                                          </p:stCondLst>
+                                        </p:cTn>
+                                        <p:tgtEl>
+                                          <p:spTgt spid="136"/>
+                                        </p:tgtEl>
+                                        <p:attrNameLst>
+                                          <p:attrName>style.visibility</p:attrName>
+                                        </p:attrNameLst>
+                                      </p:cBhvr>
+                                      <p:to>
+                                        <p:strVal val="visible"/>
+                                      </p:to>
+                                    </p:set>
+                                    <p:animEffect filter="fade" transition="in">
+                                      <p:cBhvr>
+                                        <p:cTn dur="500"/>
+                                        <p:tgtEl>
+                                          <p:spTgt spid="136"/>
+                                        </p:tgtEl>
+                                      </p:cBhvr>
+                                    </p:animEffect>
+                                  </p:childTnLst>
+                                </p:cTn>
+                              </p:par>
                               <p:par>
                                 <p:cTn fill="hold" nodeType="withEffect" presetClass="entr" presetID="10" presetSubtype="0">
                                   <p:stCondLst>
@@ -10387,7 +10460,7 @@
                                           </p:stCondLst>
                                         </p:cTn>
                                         <p:tgtEl>
-                                          <p:spTgt spid="148"/>
+                                          <p:spTgt spid="144"/>
                                         </p:tgtEl>
                                         <p:attrNameLst>
                                           <p:attrName>style.visibility</p:attrName>
@@ -10401,7 +10474,60 @@
                                       <p:cBhvr>
                                         <p:cTn dur="500"/>
                                         <p:tgtEl>
-                                          <p:spTgt spid="148"/>
+                                          <p:spTgt spid="144"/>
+                                        </p:tgtEl>
+                                      </p:cBhvr>
+                                    </p:animEffect>
+                                  </p:childTnLst>
+                                </p:cTn>
+                              </p:par>
+                            </p:childTnLst>
+                          </p:cTn>
+                        </p:par>
+                      </p:childTnLst>
+                    </p:cTn>
+                  </p:par>
+                  <p:par>
+                    <p:cTn fill="hold">
+                      <p:stCondLst>
+                        <p:cond delay="indefinite"/>
+                      </p:stCondLst>
+                      <p:childTnLst>
+                        <p:par>
+                          <p:cTn fill="hold">
+                            <p:stCondLst>
+                              <p:cond delay="0"/>
+                            </p:stCondLst>
+                            <p:childTnLst>
+                              <p:par>
+                                <p:cTn fill="hold" nodeType="clickEffect" presetClass="entr" presetID="10" presetSubtype="0">
+                                  <p:stCondLst>
+                                    <p:cond delay="0"/>
+                                  </p:stCondLst>
+                                  <p:childTnLst>
+                                    <p:set>
+                                      <p:cBhvr>
+                                        <p:cTn dur="1" fill="hold">
+                                          <p:stCondLst>
+                                            <p:cond delay="0"/>
+                                          </p:stCondLst>
+                                        </p:cTn>
+                                        <p:tgtEl>
+                                          <p:spTgt spid="137"/>
+                                        </p:tgtEl>
+                                        <p:attrNameLst>
+                                          <p:attrName>style.visibility</p:attrName>
+                                        </p:attrNameLst>
+                                      </p:cBhvr>
+                                      <p:to>
+                                        <p:strVal val="visible"/>
+                                      </p:to>
+                                    </p:set>
+                                    <p:animEffect filter="fade" transition="in">
+                                      <p:cBhvr>
+                                        <p:cTn dur="500"/>
+                                        <p:tgtEl>
+                                          <p:spTgt spid="137"/>
                                         </p:tgtEl>
                                       </p:cBhvr>
                                     </p:animEffect>
@@ -10475,94 +10601,6 @@
                                           </p:stCondLst>
                                         </p:cTn>
                                         <p:tgtEl>
-                                          <p:spTgt spid="137"/>
-                                        </p:tgtEl>
-                                        <p:attrNameLst>
-                                          <p:attrName>style.visibility</p:attrName>
-                                        </p:attrNameLst>
-                                      </p:cBhvr>
-                                      <p:to>
-                                        <p:strVal val="visible"/>
-                                      </p:to>
-                                    </p:set>
-                                    <p:animEffect filter="fade" transition="in">
-                                      <p:cBhvr>
-                                        <p:cTn dur="500"/>
-                                        <p:tgtEl>
-                                          <p:spTgt spid="137"/>
-                                        </p:tgtEl>
-                                      </p:cBhvr>
-                                    </p:animEffect>
-                                  </p:childTnLst>
-                                </p:cTn>
-                              </p:par>
-                              <p:par>
-                                <p:cTn fill="hold" nodeType="withEffect" presetClass="entr" presetID="10" presetSubtype="0">
-                                  <p:stCondLst>
-                                    <p:cond delay="0"/>
-                                  </p:stCondLst>
-                                  <p:childTnLst>
-                                    <p:set>
-                                      <p:cBhvr>
-                                        <p:cTn dur="1" fill="hold">
-                                          <p:stCondLst>
-                                            <p:cond delay="0"/>
-                                          </p:stCondLst>
-                                        </p:cTn>
-                                        <p:tgtEl>
-                                          <p:spTgt spid="145"/>
-                                        </p:tgtEl>
-                                        <p:attrNameLst>
-                                          <p:attrName>style.visibility</p:attrName>
-                                        </p:attrNameLst>
-                                      </p:cBhvr>
-                                      <p:to>
-                                        <p:strVal val="visible"/>
-                                      </p:to>
-                                    </p:set>
-                                    <p:animEffect filter="fade" transition="in">
-                                      <p:cBhvr>
-                                        <p:cTn dur="500"/>
-                                        <p:tgtEl>
-                                          <p:spTgt spid="145"/>
-                                        </p:tgtEl>
-                                      </p:cBhvr>
-                                    </p:animEffect>
-                                  </p:childTnLst>
-                                </p:cTn>
-                              </p:par>
-                            </p:childTnLst>
-                          </p:cTn>
-                        </p:par>
-                      </p:childTnLst>
-                    </p:cTn>
-                  </p:par>
-                  <p:par>
-                    <p:cTn fill="hold">
-                      <p:stCondLst>
-                        <p:cond delay="indefinite"/>
-                      </p:stCondLst>
-                      <p:childTnLst>
-                        <p:par>
-                          <p:cTn fill="hold">
-                            <p:stCondLst>
-                              <p:cond delay="0"/>
-                            </p:stCondLst>
-                            <p:childTnLst>
-                              <p:par>
-                                <p:cTn fill="hold" nodeType="clickEffect" presetClass="entr" presetID="10" presetSubtype="0">
-                                  <p:stCondLst>
-                                    <p:cond delay="0"/>
-                                  </p:stCondLst>
-                                  <p:childTnLst>
-                                    <p:set>
-                                      <p:cBhvr>
-                                        <p:cTn dur="1" fill="hold">
-                                          <p:stCondLst>
-                                            <p:cond delay="0"/>
-                                          </p:stCondLst>
-                                        </p:cTn>
-                                        <p:tgtEl>
                                           <p:spTgt spid="138"/>
                                         </p:tgtEl>
                                         <p:attrNameLst>
@@ -10598,7 +10636,7 @@
                                           </p:stCondLst>
                                         </p:cTn>
                                         <p:tgtEl>
-                                          <p:spTgt spid="136"/>
+                                          <p:spTgt spid="142"/>
                                         </p:tgtEl>
                                         <p:attrNameLst>
                                           <p:attrName>style.visibility</p:attrName>
@@ -10612,7 +10650,7 @@
                                       <p:cBhvr>
                                         <p:cTn dur="500"/>
                                         <p:tgtEl>
-                                          <p:spTgt spid="136"/>
+                                          <p:spTgt spid="142"/>
                                         </p:tgtEl>
                                       </p:cBhvr>
                                     </p:animEffect>
@@ -10751,7 +10789,7 @@
                                     </p:set>
                                     <p:animEffect filter="fade" transition="in">
                                       <p:cBhvr>
-                                        <p:cTn dur="500"/>
+                                        <p:cTn dur="600"/>
                                         <p:tgtEl>
                                           <p:spTgt spid="140"/>
                                         </p:tgtEl>
@@ -10774,7 +10812,7 @@
                                           </p:stCondLst>
                                         </p:cTn>
                                         <p:tgtEl>
-                                          <p:spTgt spid="144"/>
+                                          <p:spTgt spid="145"/>
                                         </p:tgtEl>
                                         <p:attrNameLst>
                                           <p:attrName>style.visibility</p:attrName>
@@ -10788,7 +10826,7 @@
                                       <p:cBhvr>
                                         <p:cTn dur="500"/>
                                         <p:tgtEl>
-                                          <p:spTgt spid="144"/>
+                                          <p:spTgt spid="145"/>
                                         </p:tgtEl>
                                       </p:cBhvr>
                                     </p:animEffect>
@@ -10839,7 +10877,7 @@
                                     </p:set>
                                     <p:animEffect filter="fade" transition="in">
                                       <p:cBhvr>
-                                        <p:cTn dur="600"/>
+                                        <p:cTn dur="500"/>
                                         <p:tgtEl>
                                           <p:spTgt spid="141"/>
                                         </p:tgtEl>
@@ -10889,94 +10927,6 @@
                       </p:childTnLst>
                     </p:cTn>
                   </p:par>
-                  <p:par>
-                    <p:cTn fill="hold">
-                      <p:stCondLst>
-                        <p:cond delay="indefinite"/>
-                      </p:stCondLst>
-                      <p:childTnLst>
-                        <p:par>
-                          <p:cTn fill="hold">
-                            <p:stCondLst>
-                              <p:cond delay="0"/>
-                            </p:stCondLst>
-                            <p:childTnLst>
-                              <p:par>
-                                <p:cTn fill="hold" nodeType="clickEffect" presetClass="entr" presetID="10" presetSubtype="0">
-                                  <p:stCondLst>
-                                    <p:cond delay="0"/>
-                                  </p:stCondLst>
-                                  <p:childTnLst>
-                                    <p:set>
-                                      <p:cBhvr>
-                                        <p:cTn dur="1" fill="hold">
-                                          <p:stCondLst>
-                                            <p:cond delay="0"/>
-                                          </p:stCondLst>
-                                        </p:cTn>
-                                        <p:tgtEl>
-                                          <p:spTgt spid="142"/>
-                                        </p:tgtEl>
-                                        <p:attrNameLst>
-                                          <p:attrName>style.visibility</p:attrName>
-                                        </p:attrNameLst>
-                                      </p:cBhvr>
-                                      <p:to>
-                                        <p:strVal val="visible"/>
-                                      </p:to>
-                                    </p:set>
-                                    <p:animEffect filter="fade" transition="in">
-                                      <p:cBhvr>
-                                        <p:cTn dur="500"/>
-                                        <p:tgtEl>
-                                          <p:spTgt spid="142"/>
-                                        </p:tgtEl>
-                                      </p:cBhvr>
-                                    </p:animEffect>
-                                  </p:childTnLst>
-                                </p:cTn>
-                              </p:par>
-                              <p:par>
-                                <p:cTn fill="hold" nodeType="withEffect" presetClass="entr" presetID="10" presetSubtype="0">
-                                  <p:stCondLst>
-                                    <p:cond delay="0"/>
-                                  </p:stCondLst>
-                                  <p:childTnLst>
-                                    <p:set>
-                                      <p:cBhvr>
-                                        <p:cTn dur="1" fill="hold">
-                                          <p:stCondLst>
-                                            <p:cond delay="0"/>
-                                          </p:stCondLst>
-                                        </p:cTn>
-                                        <p:tgtEl>
-                                          <p:spTgt spid="147"/>
-                                        </p:tgtEl>
-                                        <p:attrNameLst>
-                                          <p:attrName>style.visibility</p:attrName>
-                                        </p:attrNameLst>
-                                      </p:cBhvr>
-                                      <p:to>
-                                        <p:strVal val="visible"/>
-                                      </p:to>
-                                    </p:set>
-                                    <p:animEffect filter="fade" transition="in">
-                                      <p:cBhvr>
-                                        <p:cTn dur="500"/>
-                                        <p:tgtEl>
-                                          <p:spTgt spid="147"/>
-                                        </p:tgtEl>
-                                      </p:cBhvr>
-                                    </p:animEffect>
-                                  </p:childTnLst>
-                                </p:cTn>
-                              </p:par>
-                            </p:childTnLst>
-                          </p:cTn>
-                        </p:par>
-                      </p:childTnLst>
-                    </p:cTn>
-                  </p:par>
                 </p:childTnLst>
               </p:cTn>
               <p:prevCondLst>
@@ -11014,7 +10964,7 @@
     </p:bg>
     <p:spTree>
       <p:nvGrpSpPr>
-        <p:cNvPr id="152" name="Shape 152"/>
+        <p:cNvPr id="151" name="Shape 151"/>
         <p:cNvGrpSpPr/>
         <p:nvPr/>
       </p:nvGrpSpPr>
@@ -11028,7 +10978,7 @@
       </p:grpSpPr>
       <p:sp>
         <p:nvSpPr>
-          <p:cNvPr id="153" name="Google Shape;153;p19"/>
+          <p:cNvPr id="152" name="Google Shape;152;p19"/>
           <p:cNvSpPr/>
           <p:nvPr/>
         </p:nvSpPr>
@@ -11074,7 +11024,7 @@
       </p:sp>
       <p:grpSp>
         <p:nvGrpSpPr>
-          <p:cNvPr id="154" name="Google Shape;154;p19"/>
+          <p:cNvPr id="153" name="Google Shape;153;p19"/>
           <p:cNvGrpSpPr/>
           <p:nvPr/>
         </p:nvGrpSpPr>
@@ -11088,7 +11038,7 @@
         </p:grpSpPr>
         <p:pic>
           <p:nvPicPr>
-            <p:cNvPr id="155" name="Google Shape;155;p19"/>
+            <p:cNvPr id="154" name="Google Shape;154;p19"/>
             <p:cNvPicPr preferRelativeResize="0"/>
             <p:nvPr/>
           </p:nvPicPr>
@@ -11116,7 +11066,7 @@
         </p:pic>
         <p:sp>
           <p:nvSpPr>
-            <p:cNvPr id="156" name="Google Shape;156;p19"/>
+            <p:cNvPr id="155" name="Google Shape;155;p19"/>
             <p:cNvSpPr txBox="1"/>
             <p:nvPr/>
           </p:nvSpPr>
@@ -11167,7 +11117,7 @@
       </p:grpSp>
       <p:sp>
         <p:nvSpPr>
-          <p:cNvPr id="157" name="Google Shape;157;p19"/>
+          <p:cNvPr id="156" name="Google Shape;156;p19"/>
           <p:cNvSpPr txBox="1"/>
           <p:nvPr/>
         </p:nvSpPr>
@@ -11225,7 +11175,7 @@
       </p:sp>
       <p:sp>
         <p:nvSpPr>
-          <p:cNvPr id="158" name="Google Shape;158;p19"/>
+          <p:cNvPr id="157" name="Google Shape;157;p19"/>
           <p:cNvSpPr txBox="1"/>
           <p:nvPr/>
         </p:nvSpPr>
@@ -11259,7 +11209,7 @@
             </a:pPr>
             <a:r>
               <a:rPr b="1" lang="fr" sz="1800"/>
-              <a:t>6</a:t>
+              <a:t>5</a:t>
             </a:r>
             <a:endParaRPr b="1" sz="1800">
               <a:solidFill>
@@ -11271,7 +11221,7 @@
       </p:sp>
       <p:cxnSp>
         <p:nvCxnSpPr>
-          <p:cNvPr id="159" name="Google Shape;159;p19"/>
+          <p:cNvPr id="158" name="Google Shape;158;p19"/>
           <p:cNvCxnSpPr/>
           <p:nvPr/>
         </p:nvCxnSpPr>
@@ -11297,7 +11247,7 @@
       </p:cxnSp>
       <p:sp>
         <p:nvSpPr>
-          <p:cNvPr id="160" name="Google Shape;160;p19"/>
+          <p:cNvPr id="159" name="Google Shape;159;p19"/>
           <p:cNvSpPr txBox="1"/>
           <p:nvPr/>
         </p:nvSpPr>
@@ -11347,7 +11297,7 @@
       </p:sp>
       <p:pic>
         <p:nvPicPr>
-          <p:cNvPr id="161" name="Google Shape;161;p19"/>
+          <p:cNvPr id="160" name="Google Shape;160;p19"/>
           <p:cNvPicPr preferRelativeResize="0"/>
           <p:nvPr/>
         </p:nvPicPr>
@@ -11381,7 +11331,7 @@
       </p:pic>
       <p:sp>
         <p:nvSpPr>
-          <p:cNvPr id="162" name="Google Shape;162;p19"/>
+          <p:cNvPr id="161" name="Google Shape;161;p19"/>
           <p:cNvSpPr txBox="1"/>
           <p:nvPr/>
         </p:nvSpPr>
@@ -11455,7 +11405,7 @@
       </p:sp>
       <p:cxnSp>
         <p:nvCxnSpPr>
-          <p:cNvPr id="163" name="Google Shape;163;p19"/>
+          <p:cNvPr id="162" name="Google Shape;162;p19"/>
           <p:cNvCxnSpPr/>
           <p:nvPr/>
         </p:nvCxnSpPr>
@@ -11481,7 +11431,7 @@
       </p:cxnSp>
       <p:sp>
         <p:nvSpPr>
-          <p:cNvPr id="164" name="Google Shape;164;p19"/>
+          <p:cNvPr id="163" name="Google Shape;163;p19"/>
           <p:cNvSpPr txBox="1"/>
           <p:nvPr/>
         </p:nvSpPr>
@@ -11555,7 +11505,7 @@
       </p:sp>
       <p:sp>
         <p:nvSpPr>
-          <p:cNvPr id="165" name="Google Shape;165;p19"/>
+          <p:cNvPr id="164" name="Google Shape;164;p19"/>
           <p:cNvSpPr txBox="1"/>
           <p:nvPr/>
         </p:nvSpPr>
@@ -11629,7 +11579,7 @@
       </p:sp>
       <p:sp>
         <p:nvSpPr>
-          <p:cNvPr id="166" name="Google Shape;166;p19"/>
+          <p:cNvPr id="165" name="Google Shape;165;p19"/>
           <p:cNvSpPr txBox="1"/>
           <p:nvPr/>
         </p:nvSpPr>
@@ -11703,7 +11653,7 @@
       </p:sp>
       <p:pic>
         <p:nvPicPr>
-          <p:cNvPr id="167" name="Google Shape;167;p19"/>
+          <p:cNvPr id="166" name="Google Shape;166;p19"/>
           <p:cNvPicPr preferRelativeResize="0"/>
           <p:nvPr/>
         </p:nvPicPr>
@@ -11774,6 +11724,41 @@
                                           </p:stCondLst>
                                         </p:cTn>
                                         <p:tgtEl>
+                                          <p:spTgt spid="159"/>
+                                        </p:tgtEl>
+                                        <p:attrNameLst>
+                                          <p:attrName>style.visibility</p:attrName>
+                                        </p:attrNameLst>
+                                      </p:cBhvr>
+                                      <p:to>
+                                        <p:strVal val="visible"/>
+                                      </p:to>
+                                    </p:set>
+                                    <p:animEffect filter="fade" transition="in">
+                                      <p:cBhvr>
+                                        <p:cTn dur="500"/>
+                                        <p:tgtEl>
+                                          <p:spTgt spid="159"/>
+                                        </p:tgtEl>
+                                      </p:cBhvr>
+                                    </p:animEffect>
+                                  </p:childTnLst>
+                                </p:cTn>
+                              </p:par>
+                              <p:par>
+                                <p:cTn fill="hold" nodeType="withEffect" presetClass="entr" presetID="10" presetSubtype="0">
+                                  <p:stCondLst>
+                                    <p:cond delay="0"/>
+                                  </p:stCondLst>
+                                  <p:childTnLst>
+                                    <p:set>
+                                      <p:cBhvr>
+                                        <p:cTn dur="1" fill="hold">
+                                          <p:stCondLst>
+                                            <p:cond delay="0"/>
+                                          </p:stCondLst>
+                                        </p:cTn>
+                                        <p:tgtEl>
                                           <p:spTgt spid="160"/>
                                         </p:tgtEl>
                                         <p:attrNameLst>
@@ -11809,7 +11794,7 @@
                                           </p:stCondLst>
                                         </p:cTn>
                                         <p:tgtEl>
-                                          <p:spTgt spid="161"/>
+                                          <p:spTgt spid="162"/>
                                         </p:tgtEl>
                                         <p:attrNameLst>
                                           <p:attrName>style.visibility</p:attrName>
@@ -11823,42 +11808,7 @@
                                       <p:cBhvr>
                                         <p:cTn dur="500"/>
                                         <p:tgtEl>
-                                          <p:spTgt spid="161"/>
-                                        </p:tgtEl>
-                                      </p:cBhvr>
-                                    </p:animEffect>
-                                  </p:childTnLst>
-                                </p:cTn>
-                              </p:par>
-                              <p:par>
-                                <p:cTn fill="hold" nodeType="withEffect" presetClass="entr" presetID="10" presetSubtype="0">
-                                  <p:stCondLst>
-                                    <p:cond delay="0"/>
-                                  </p:stCondLst>
-                                  <p:childTnLst>
-                                    <p:set>
-                                      <p:cBhvr>
-                                        <p:cTn dur="1" fill="hold">
-                                          <p:stCondLst>
-                                            <p:cond delay="0"/>
-                                          </p:stCondLst>
-                                        </p:cTn>
-                                        <p:tgtEl>
-                                          <p:spTgt spid="163"/>
-                                        </p:tgtEl>
-                                        <p:attrNameLst>
-                                          <p:attrName>style.visibility</p:attrName>
-                                        </p:attrNameLst>
-                                      </p:cBhvr>
-                                      <p:to>
-                                        <p:strVal val="visible"/>
-                                      </p:to>
-                                    </p:set>
-                                    <p:animEffect filter="fade" transition="in">
-                                      <p:cBhvr>
-                                        <p:cTn dur="500"/>
-                                        <p:tgtEl>
-                                          <p:spTgt spid="163"/>
+                                          <p:spTgt spid="162"/>
                                         </p:tgtEl>
                                       </p:cBhvr>
                                     </p:animEffect>
@@ -11897,7 +11847,7 @@
                                           </p:stCondLst>
                                         </p:cTn>
                                         <p:tgtEl>
-                                          <p:spTgt spid="162"/>
+                                          <p:spTgt spid="161"/>
                                         </p:tgtEl>
                                         <p:attrNameLst>
                                           <p:attrName>style.visibility</p:attrName>
@@ -11911,7 +11861,60 @@
                                       <p:cBhvr>
                                         <p:cTn dur="500"/>
                                         <p:tgtEl>
-                                          <p:spTgt spid="162"/>
+                                          <p:spTgt spid="161"/>
+                                        </p:tgtEl>
+                                      </p:cBhvr>
+                                    </p:animEffect>
+                                  </p:childTnLst>
+                                </p:cTn>
+                              </p:par>
+                            </p:childTnLst>
+                          </p:cTn>
+                        </p:par>
+                      </p:childTnLst>
+                    </p:cTn>
+                  </p:par>
+                  <p:par>
+                    <p:cTn fill="hold">
+                      <p:stCondLst>
+                        <p:cond delay="indefinite"/>
+                      </p:stCondLst>
+                      <p:childTnLst>
+                        <p:par>
+                          <p:cTn fill="hold">
+                            <p:stCondLst>
+                              <p:cond delay="0"/>
+                            </p:stCondLst>
+                            <p:childTnLst>
+                              <p:par>
+                                <p:cTn fill="hold" nodeType="clickEffect" presetClass="entr" presetID="10" presetSubtype="0">
+                                  <p:stCondLst>
+                                    <p:cond delay="0"/>
+                                  </p:stCondLst>
+                                  <p:childTnLst>
+                                    <p:set>
+                                      <p:cBhvr>
+                                        <p:cTn dur="1" fill="hold">
+                                          <p:stCondLst>
+                                            <p:cond delay="0"/>
+                                          </p:stCondLst>
+                                        </p:cTn>
+                                        <p:tgtEl>
+                                          <p:spTgt spid="163"/>
+                                        </p:tgtEl>
+                                        <p:attrNameLst>
+                                          <p:attrName>style.visibility</p:attrName>
+                                        </p:attrNameLst>
+                                      </p:cBhvr>
+                                      <p:to>
+                                        <p:strVal val="visible"/>
+                                      </p:to>
+                                    </p:set>
+                                    <p:animEffect filter="fade" transition="in">
+                                      <p:cBhvr>
+                                        <p:cTn dur="500"/>
+                                        <p:tgtEl>
+                                          <p:spTgt spid="163"/>
                                         </p:tgtEl>
                                       </p:cBhvr>
                                     </p:animEffect>
@@ -11990,59 +11993,6 @@
                             </p:stCondLst>
                             <p:childTnLst>
                               <p:par>
-                                <p:cTn fill="hold" nodeType="clickEffect" presetClass="entr" presetID="10" presetSubtype="0">
-                                  <p:stCondLst>
-                                    <p:cond delay="0"/>
-                                  </p:stCondLst>
-                                  <p:childTnLst>
-                                    <p:set>
-                                      <p:cBhvr>
-                                        <p:cTn dur="1" fill="hold">
-                                          <p:stCondLst>
-                                            <p:cond delay="0"/>
-                                          </p:stCondLst>
-                                        </p:cTn>
-                                        <p:tgtEl>
-                                          <p:spTgt spid="165"/>
-                                        </p:tgtEl>
-                                        <p:attrNameLst>
-                                          <p:attrName>style.visibility</p:attrName>
-                                        </p:attrNameLst>
-                                      </p:cBhvr>
-                                      <p:to>
-                                        <p:strVal val="visible"/>
-                                      </p:to>
-                                    </p:set>
-                                    <p:animEffect filter="fade" transition="in">
-                                      <p:cBhvr>
-                                        <p:cTn dur="500"/>
-                                        <p:tgtEl>
-                                          <p:spTgt spid="165"/>
-                                        </p:tgtEl>
-                                      </p:cBhvr>
-                                    </p:animEffect>
-                                  </p:childTnLst>
-                                </p:cTn>
-                              </p:par>
-                            </p:childTnLst>
-                          </p:cTn>
-                        </p:par>
-                      </p:childTnLst>
-                    </p:cTn>
-                  </p:par>
-                  <p:par>
-                    <p:cTn fill="hold">
-                      <p:stCondLst>
-                        <p:cond delay="indefinite"/>
-                      </p:stCondLst>
-                      <p:childTnLst>
-                        <p:par>
-                          <p:cTn fill="hold">
-                            <p:stCondLst>
-                              <p:cond delay="0"/>
-                            </p:stCondLst>
-                            <p:childTnLst>
-                              <p:par>
                                 <p:cTn fill="hold" nodeType="clickEffect" presetClass="exit" presetID="10" presetSubtype="0">
                                   <p:stCondLst>
                                     <p:cond delay="0"/>
@@ -12052,7 +12002,7 @@
                                       <p:cBhvr>
                                         <p:cTn dur="500"/>
                                         <p:tgtEl>
-                                          <p:spTgt spid="161"/>
+                                          <p:spTgt spid="160"/>
                                         </p:tgtEl>
                                       </p:cBhvr>
                                     </p:animEffect>
@@ -12064,7 +12014,7 @@
                                           </p:stCondLst>
                                         </p:cTn>
                                         <p:tgtEl>
-                                          <p:spTgt spid="161"/>
+                                          <p:spTgt spid="160"/>
                                         </p:tgtEl>
                                         <p:attrNameLst>
                                           <p:attrName>style.visibility</p:attrName>
@@ -12074,41 +12024,6 @@
                                         <p:strVal val="hidden"/>
                                       </p:to>
                                     </p:set>
-                                  </p:childTnLst>
-                                </p:cTn>
-                              </p:par>
-                              <p:par>
-                                <p:cTn fill="hold" nodeType="withEffect" presetClass="entr" presetID="10" presetSubtype="0">
-                                  <p:stCondLst>
-                                    <p:cond delay="0"/>
-                                  </p:stCondLst>
-                                  <p:childTnLst>
-                                    <p:set>
-                                      <p:cBhvr>
-                                        <p:cTn dur="1" fill="hold">
-                                          <p:stCondLst>
-                                            <p:cond delay="0"/>
-                                          </p:stCondLst>
-                                        </p:cTn>
-                                        <p:tgtEl>
-                                          <p:spTgt spid="167"/>
-                                        </p:tgtEl>
-                                        <p:attrNameLst>
-                                          <p:attrName>style.visibility</p:attrName>
-                                        </p:attrNameLst>
-                                      </p:cBhvr>
-                                      <p:to>
-                                        <p:strVal val="visible"/>
-                                      </p:to>
-                                    </p:set>
-                                    <p:animEffect filter="fade" transition="in">
-                                      <p:cBhvr>
-                                        <p:cTn dur="500"/>
-                                        <p:tgtEl>
-                                          <p:spTgt spid="167"/>
-                                        </p:tgtEl>
-                                      </p:cBhvr>
-                                    </p:animEffect>
                                   </p:childTnLst>
                                 </p:cTn>
                               </p:par>
@@ -12141,6 +12056,41 @@
                                         <p:cTn dur="500"/>
                                         <p:tgtEl>
                                           <p:spTgt spid="166"/>
+                                        </p:tgtEl>
+                                      </p:cBhvr>
+                                    </p:animEffect>
+                                  </p:childTnLst>
+                                </p:cTn>
+                              </p:par>
+                              <p:par>
+                                <p:cTn fill="hold" nodeType="withEffect" presetClass="entr" presetID="10" presetSubtype="0">
+                                  <p:stCondLst>
+                                    <p:cond delay="0"/>
+                                  </p:stCondLst>
+                                  <p:childTnLst>
+                                    <p:set>
+                                      <p:cBhvr>
+                                        <p:cTn dur="1" fill="hold">
+                                          <p:stCondLst>
+                                            <p:cond delay="0"/>
+                                          </p:stCondLst>
+                                        </p:cTn>
+                                        <p:tgtEl>
+                                          <p:spTgt spid="165"/>
+                                        </p:tgtEl>
+                                        <p:attrNameLst>
+                                          <p:attrName>style.visibility</p:attrName>
+                                        </p:attrNameLst>
+                                      </p:cBhvr>
+                                      <p:to>
+                                        <p:strVal val="visible"/>
+                                      </p:to>
+                                    </p:set>
+                                    <p:animEffect filter="fade" transition="in">
+                                      <p:cBhvr>
+                                        <p:cTn dur="500"/>
+                                        <p:tgtEl>
+                                          <p:spTgt spid="165"/>
                                         </p:tgtEl>
                                       </p:cBhvr>
                                     </p:animEffect>
@@ -12190,7 +12140,7 @@
     </p:bg>
     <p:spTree>
       <p:nvGrpSpPr>
-        <p:cNvPr id="171" name="Shape 171"/>
+        <p:cNvPr id="170" name="Shape 170"/>
         <p:cNvGrpSpPr/>
         <p:nvPr/>
       </p:nvGrpSpPr>
@@ -12204,7 +12154,7 @@
       </p:grpSpPr>
       <p:sp>
         <p:nvSpPr>
-          <p:cNvPr id="172" name="Google Shape;172;p20"/>
+          <p:cNvPr id="171" name="Google Shape;171;p20"/>
           <p:cNvSpPr/>
           <p:nvPr/>
         </p:nvSpPr>
@@ -12250,7 +12200,7 @@
       </p:sp>
       <p:grpSp>
         <p:nvGrpSpPr>
-          <p:cNvPr id="173" name="Google Shape;173;p20"/>
+          <p:cNvPr id="172" name="Google Shape;172;p20"/>
           <p:cNvGrpSpPr/>
           <p:nvPr/>
         </p:nvGrpSpPr>
@@ -12264,7 +12214,7 @@
         </p:grpSpPr>
         <p:pic>
           <p:nvPicPr>
-            <p:cNvPr id="174" name="Google Shape;174;p20"/>
+            <p:cNvPr id="173" name="Google Shape;173;p20"/>
             <p:cNvPicPr preferRelativeResize="0"/>
             <p:nvPr/>
           </p:nvPicPr>
@@ -12292,7 +12242,7 @@
         </p:pic>
         <p:sp>
           <p:nvSpPr>
-            <p:cNvPr id="175" name="Google Shape;175;p20"/>
+            <p:cNvPr id="174" name="Google Shape;174;p20"/>
             <p:cNvSpPr txBox="1"/>
             <p:nvPr/>
           </p:nvSpPr>
@@ -12343,7 +12293,7 @@
       </p:grpSp>
       <p:sp>
         <p:nvSpPr>
-          <p:cNvPr id="176" name="Google Shape;176;p20"/>
+          <p:cNvPr id="175" name="Google Shape;175;p20"/>
           <p:cNvSpPr txBox="1"/>
           <p:nvPr/>
         </p:nvSpPr>
@@ -12401,7 +12351,7 @@
       </p:sp>
       <p:sp>
         <p:nvSpPr>
-          <p:cNvPr id="177" name="Google Shape;177;p20"/>
+          <p:cNvPr id="176" name="Google Shape;176;p20"/>
           <p:cNvSpPr txBox="1"/>
           <p:nvPr/>
         </p:nvSpPr>
@@ -12435,7 +12385,7 @@
             </a:pPr>
             <a:r>
               <a:rPr b="1" lang="fr" sz="1800"/>
-              <a:t>7</a:t>
+              <a:t>6</a:t>
             </a:r>
             <a:endParaRPr b="1" sz="1800">
               <a:solidFill>
@@ -12447,7 +12397,7 @@
       </p:sp>
       <p:cxnSp>
         <p:nvCxnSpPr>
-          <p:cNvPr id="178" name="Google Shape;178;p20"/>
+          <p:cNvPr id="177" name="Google Shape;177;p20"/>
           <p:cNvCxnSpPr/>
           <p:nvPr/>
         </p:nvCxnSpPr>
@@ -12473,7 +12423,7 @@
       </p:cxnSp>
       <p:sp>
         <p:nvSpPr>
-          <p:cNvPr id="179" name="Google Shape;179;p20"/>
+          <p:cNvPr id="178" name="Google Shape;178;p20"/>
           <p:cNvSpPr txBox="1"/>
           <p:nvPr/>
         </p:nvSpPr>
@@ -12523,7 +12473,7 @@
       </p:sp>
       <p:sp>
         <p:nvSpPr>
-          <p:cNvPr id="180" name="Google Shape;180;p20"/>
+          <p:cNvPr id="179" name="Google Shape;179;p20"/>
           <p:cNvSpPr txBox="1"/>
           <p:nvPr/>
         </p:nvSpPr>
@@ -12602,7 +12552,7 @@
       </p:sp>
       <p:cxnSp>
         <p:nvCxnSpPr>
-          <p:cNvPr id="181" name="Google Shape;181;p20"/>
+          <p:cNvPr id="180" name="Google Shape;180;p20"/>
           <p:cNvCxnSpPr/>
           <p:nvPr/>
         </p:nvCxnSpPr>
@@ -12628,7 +12578,7 @@
       </p:cxnSp>
       <p:sp>
         <p:nvSpPr>
-          <p:cNvPr id="182" name="Google Shape;182;p20"/>
+          <p:cNvPr id="181" name="Google Shape;181;p20"/>
           <p:cNvSpPr txBox="1"/>
           <p:nvPr/>
         </p:nvSpPr>
@@ -12707,7 +12657,7 @@
       </p:sp>
       <p:sp>
         <p:nvSpPr>
-          <p:cNvPr id="183" name="Google Shape;183;p20"/>
+          <p:cNvPr id="182" name="Google Shape;182;p20"/>
           <p:cNvSpPr txBox="1"/>
           <p:nvPr/>
         </p:nvSpPr>
@@ -12781,7 +12731,7 @@
       </p:sp>
       <p:sp>
         <p:nvSpPr>
-          <p:cNvPr id="184" name="Google Shape;184;p20"/>
+          <p:cNvPr id="183" name="Google Shape;183;p20"/>
           <p:cNvSpPr txBox="1"/>
           <p:nvPr/>
         </p:nvSpPr>
@@ -12855,7 +12805,7 @@
       </p:sp>
       <p:cxnSp>
         <p:nvCxnSpPr>
-          <p:cNvPr id="185" name="Google Shape;185;p20"/>
+          <p:cNvPr id="184" name="Google Shape;184;p20"/>
           <p:cNvCxnSpPr/>
           <p:nvPr/>
         </p:nvCxnSpPr>
@@ -12906,6 +12856,94 @@
                             <p:childTnLst>
                               <p:par>
                                 <p:cTn fill="hold" nodeType="clickEffect" presetClass="entr" presetID="10" presetSubtype="0">
+                                  <p:stCondLst>
+                                    <p:cond delay="0"/>
+                                  </p:stCondLst>
+                                  <p:childTnLst>
+                                    <p:set>
+                                      <p:cBhvr>
+                                        <p:cTn dur="1" fill="hold">
+                                          <p:stCondLst>
+                                            <p:cond delay="0"/>
+                                          </p:stCondLst>
+                                        </p:cTn>
+                                        <p:tgtEl>
+                                          <p:spTgt spid="178"/>
+                                        </p:tgtEl>
+                                        <p:attrNameLst>
+                                          <p:attrName>style.visibility</p:attrName>
+                                        </p:attrNameLst>
+                                      </p:cBhvr>
+                                      <p:to>
+                                        <p:strVal val="visible"/>
+                                      </p:to>
+                                    </p:set>
+                                    <p:animEffect filter="fade" transition="in">
+                                      <p:cBhvr>
+                                        <p:cTn dur="500"/>
+                                        <p:tgtEl>
+                                          <p:spTgt spid="178"/>
+                                        </p:tgtEl>
+                                      </p:cBhvr>
+                                    </p:animEffect>
+                                  </p:childTnLst>
+                                </p:cTn>
+                              </p:par>
+                            </p:childTnLst>
+                          </p:cTn>
+                        </p:par>
+                      </p:childTnLst>
+                    </p:cTn>
+                  </p:par>
+                  <p:par>
+                    <p:cTn fill="hold">
+                      <p:stCondLst>
+                        <p:cond delay="indefinite"/>
+                      </p:stCondLst>
+                      <p:childTnLst>
+                        <p:par>
+                          <p:cTn fill="hold">
+                            <p:stCondLst>
+                              <p:cond delay="0"/>
+                            </p:stCondLst>
+                            <p:childTnLst>
+                              <p:par>
+                                <p:cTn fill="hold" nodeType="clickEffect" presetClass="entr" presetID="10" presetSubtype="0">
+                                  <p:stCondLst>
+                                    <p:cond delay="0"/>
+                                  </p:stCondLst>
+                                  <p:childTnLst>
+                                    <p:set>
+                                      <p:cBhvr>
+                                        <p:cTn dur="1" fill="hold">
+                                          <p:stCondLst>
+                                            <p:cond delay="0"/>
+                                          </p:stCondLst>
+                                        </p:cTn>
+                                        <p:tgtEl>
+                                          <p:spTgt spid="180"/>
+                                        </p:tgtEl>
+                                        <p:attrNameLst>
+                                          <p:attrName>style.visibility</p:attrName>
+                                        </p:attrNameLst>
+                                      </p:cBhvr>
+                                      <p:to>
+                                        <p:strVal val="visible"/>
+                                      </p:to>
+                                    </p:set>
+                                    <p:animEffect filter="fade" transition="in">
+                                      <p:cBhvr>
+                                        <p:cTn dur="500"/>
+                                        <p:tgtEl>
+                                          <p:spTgt spid="180"/>
+                                        </p:tgtEl>
+                                      </p:cBhvr>
+                                    </p:animEffect>
+                                  </p:childTnLst>
+                                </p:cTn>
+                              </p:par>
+                              <p:par>
+                                <p:cTn fill="hold" nodeType="withEffect" presetClass="entr" presetID="10" presetSubtype="0">
                                   <p:stCondLst>
                                     <p:cond delay="0"/>
                                   </p:stCondLst>
@@ -12992,41 +13030,6 @@
                                   </p:childTnLst>
                                 </p:cTn>
                               </p:par>
-                              <p:par>
-                                <p:cTn fill="hold" nodeType="withEffect" presetClass="entr" presetID="10" presetSubtype="0">
-                                  <p:stCondLst>
-                                    <p:cond delay="0"/>
-                                  </p:stCondLst>
-                                  <p:childTnLst>
-                                    <p:set>
-                                      <p:cBhvr>
-                                        <p:cTn dur="1" fill="hold">
-                                          <p:stCondLst>
-                                            <p:cond delay="0"/>
-                                          </p:stCondLst>
-                                        </p:cTn>
-                                        <p:tgtEl>
-                                          <p:spTgt spid="180"/>
-                                        </p:tgtEl>
-                                        <p:attrNameLst>
-                                          <p:attrName>style.visibility</p:attrName>
-                                        </p:attrNameLst>
-                                      </p:cBhvr>
-                                      <p:to>
-                                        <p:strVal val="visible"/>
-                                      </p:to>
-                                    </p:set>
-                                    <p:animEffect filter="fade" transition="in">
-                                      <p:cBhvr>
-                                        <p:cTn dur="500"/>
-                                        <p:tgtEl>
-                                          <p:spTgt spid="180"/>
-                                        </p:tgtEl>
-                                      </p:cBhvr>
-                                    </p:animEffect>
-                                  </p:childTnLst>
-                                </p:cTn>
-                              </p:par>
                             </p:childTnLst>
                           </p:cTn>
                         </p:par>
@@ -13047,6 +13050,41 @@
                             <p:childTnLst>
                               <p:par>
                                 <p:cTn fill="hold" nodeType="clickEffect" presetClass="entr" presetID="10" presetSubtype="0">
+                                  <p:stCondLst>
+                                    <p:cond delay="0"/>
+                                  </p:stCondLst>
+                                  <p:childTnLst>
+                                    <p:set>
+                                      <p:cBhvr>
+                                        <p:cTn dur="1" fill="hold">
+                                          <p:stCondLst>
+                                            <p:cond delay="0"/>
+                                          </p:stCondLst>
+                                        </p:cTn>
+                                        <p:tgtEl>
+                                          <p:spTgt spid="184"/>
+                                        </p:tgtEl>
+                                        <p:attrNameLst>
+                                          <p:attrName>style.visibility</p:attrName>
+                                        </p:attrNameLst>
+                                      </p:cBhvr>
+                                      <p:to>
+                                        <p:strVal val="visible"/>
+                                      </p:to>
+                                    </p:set>
+                                    <p:animEffect filter="fade" transition="in">
+                                      <p:cBhvr>
+                                        <p:cTn dur="500"/>
+                                        <p:tgtEl>
+                                          <p:spTgt spid="184"/>
+                                        </p:tgtEl>
+                                      </p:cBhvr>
+                                    </p:animEffect>
+                                  </p:childTnLst>
+                                </p:cTn>
+                              </p:par>
+                              <p:par>
+                                <p:cTn fill="hold" nodeType="withEffect" presetClass="entr" presetID="10" presetSubtype="0">
                                   <p:stCondLst>
                                     <p:cond delay="0"/>
                                   </p:stCondLst>
@@ -13112,41 +13150,6 @@
                                           </p:stCondLst>
                                         </p:cTn>
                                         <p:tgtEl>
-                                          <p:spTgt spid="185"/>
-                                        </p:tgtEl>
-                                        <p:attrNameLst>
-                                          <p:attrName>style.visibility</p:attrName>
-                                        </p:attrNameLst>
-                                      </p:cBhvr>
-                                      <p:to>
-                                        <p:strVal val="visible"/>
-                                      </p:to>
-                                    </p:set>
-                                    <p:animEffect filter="fade" transition="in">
-                                      <p:cBhvr>
-                                        <p:cTn dur="500"/>
-                                        <p:tgtEl>
-                                          <p:spTgt spid="185"/>
-                                        </p:tgtEl>
-                                      </p:cBhvr>
-                                    </p:animEffect>
-                                  </p:childTnLst>
-                                </p:cTn>
-                              </p:par>
-                              <p:par>
-                                <p:cTn fill="hold" nodeType="withEffect" presetClass="entr" presetID="10" presetSubtype="0">
-                                  <p:stCondLst>
-                                    <p:cond delay="0"/>
-                                  </p:stCondLst>
-                                  <p:childTnLst>
-                                    <p:set>
-                                      <p:cBhvr>
-                                        <p:cTn dur="1" fill="hold">
-                                          <p:stCondLst>
-                                            <p:cond delay="0"/>
-                                          </p:stCondLst>
-                                        </p:cTn>
-                                        <p:tgtEl>
                                           <p:spTgt spid="183"/>
                                         </p:tgtEl>
                                         <p:attrNameLst>
@@ -13162,59 +13165,6 @@
                                         <p:cTn dur="500"/>
                                         <p:tgtEl>
                                           <p:spTgt spid="183"/>
-                                        </p:tgtEl>
-                                      </p:cBhvr>
-                                    </p:animEffect>
-                                  </p:childTnLst>
-                                </p:cTn>
-                              </p:par>
-                            </p:childTnLst>
-                          </p:cTn>
-                        </p:par>
-                      </p:childTnLst>
-                    </p:cTn>
-                  </p:par>
-                  <p:par>
-                    <p:cTn fill="hold">
-                      <p:stCondLst>
-                        <p:cond delay="indefinite"/>
-                      </p:stCondLst>
-                      <p:childTnLst>
-                        <p:par>
-                          <p:cTn fill="hold">
-                            <p:stCondLst>
-                              <p:cond delay="0"/>
-                            </p:stCondLst>
-                            <p:childTnLst>
-                              <p:par>
-                                <p:cTn fill="hold" nodeType="clickEffect" presetClass="entr" presetID="10" presetSubtype="0">
-                                  <p:stCondLst>
-                                    <p:cond delay="0"/>
-                                  </p:stCondLst>
-                                  <p:childTnLst>
-                                    <p:set>
-                                      <p:cBhvr>
-                                        <p:cTn dur="1" fill="hold">
-                                          <p:stCondLst>
-                                            <p:cond delay="0"/>
-                                          </p:stCondLst>
-                                        </p:cTn>
-                                        <p:tgtEl>
-                                          <p:spTgt spid="184"/>
-                                        </p:tgtEl>
-                                        <p:attrNameLst>
-                                          <p:attrName>style.visibility</p:attrName>
-                                        </p:attrNameLst>
-                                      </p:cBhvr>
-                                      <p:to>
-                                        <p:strVal val="visible"/>
-                                      </p:to>
-                                    </p:set>
-                                    <p:animEffect filter="fade" transition="in">
-                                      <p:cBhvr>
-                                        <p:cTn dur="500"/>
-                                        <p:tgtEl>
-                                          <p:spTgt spid="184"/>
                                         </p:tgtEl>
                                       </p:cBhvr>
                                     </p:animEffect>
